--- a/redes.pptx
+++ b/redes.pptx
@@ -13,7 +13,14 @@
     <p:sldId id="261" r:id="rId7"/>
     <p:sldId id="262" r:id="rId8"/>
     <p:sldId id="263" r:id="rId9"/>
-    <p:sldId id="264" r:id="rId10"/>
+    <p:sldId id="269" r:id="rId10"/>
+    <p:sldId id="264" r:id="rId11"/>
+    <p:sldId id="265" r:id="rId12"/>
+    <p:sldId id="266" r:id="rId13"/>
+    <p:sldId id="267" r:id="rId14"/>
+    <p:sldId id="268" r:id="rId15"/>
+    <p:sldId id="270" r:id="rId16"/>
+    <p:sldId id="271" r:id="rId17"/>
   </p:sldIdLst>
   <p:sldSz cx="12192000" cy="6858000"/>
   <p:notesSz cx="6858000" cy="9144000"/>
@@ -112,6 +119,11 @@
       </a:defRPr>
     </a:lvl9pPr>
   </p:defaultTextStyle>
+  <p:extLst>
+    <p:ext uri="{EFAFB233-063F-42B5-8137-9DF3F51BA10A}">
+      <p15:sldGuideLst xmlns:p15="http://schemas.microsoft.com/office/powerpoint/2012/main"/>
+    </p:ext>
+  </p:extLst>
 </p:presentation>
 </file>
 
@@ -262,7 +274,7 @@
           <a:p>
             <a:fld id="{EE406DD6-2016-4942-94D9-E8478BA5C073}" type="datetimeFigureOut">
               <a:rPr lang="pt-BR" smtClean="0"/>
-              <a:t>23/11/2019</a:t>
+              <a:t>27/11/2019</a:t>
             </a:fld>
             <a:endParaRPr lang="pt-BR"/>
           </a:p>
@@ -460,7 +472,7 @@
           <a:p>
             <a:fld id="{EE406DD6-2016-4942-94D9-E8478BA5C073}" type="datetimeFigureOut">
               <a:rPr lang="pt-BR" smtClean="0"/>
-              <a:t>23/11/2019</a:t>
+              <a:t>27/11/2019</a:t>
             </a:fld>
             <a:endParaRPr lang="pt-BR"/>
           </a:p>
@@ -668,7 +680,7 @@
           <a:p>
             <a:fld id="{EE406DD6-2016-4942-94D9-E8478BA5C073}" type="datetimeFigureOut">
               <a:rPr lang="pt-BR" smtClean="0"/>
-              <a:t>23/11/2019</a:t>
+              <a:t>27/11/2019</a:t>
             </a:fld>
             <a:endParaRPr lang="pt-BR"/>
           </a:p>
@@ -866,7 +878,7 @@
           <a:p>
             <a:fld id="{EE406DD6-2016-4942-94D9-E8478BA5C073}" type="datetimeFigureOut">
               <a:rPr lang="pt-BR" smtClean="0"/>
-              <a:t>23/11/2019</a:t>
+              <a:t>27/11/2019</a:t>
             </a:fld>
             <a:endParaRPr lang="pt-BR"/>
           </a:p>
@@ -1141,7 +1153,7 @@
           <a:p>
             <a:fld id="{EE406DD6-2016-4942-94D9-E8478BA5C073}" type="datetimeFigureOut">
               <a:rPr lang="pt-BR" smtClean="0"/>
-              <a:t>23/11/2019</a:t>
+              <a:t>27/11/2019</a:t>
             </a:fld>
             <a:endParaRPr lang="pt-BR"/>
           </a:p>
@@ -1406,7 +1418,7 @@
           <a:p>
             <a:fld id="{EE406DD6-2016-4942-94D9-E8478BA5C073}" type="datetimeFigureOut">
               <a:rPr lang="pt-BR" smtClean="0"/>
-              <a:t>23/11/2019</a:t>
+              <a:t>27/11/2019</a:t>
             </a:fld>
             <a:endParaRPr lang="pt-BR"/>
           </a:p>
@@ -1818,7 +1830,7 @@
           <a:p>
             <a:fld id="{EE406DD6-2016-4942-94D9-E8478BA5C073}" type="datetimeFigureOut">
               <a:rPr lang="pt-BR" smtClean="0"/>
-              <a:t>23/11/2019</a:t>
+              <a:t>27/11/2019</a:t>
             </a:fld>
             <a:endParaRPr lang="pt-BR"/>
           </a:p>
@@ -1959,7 +1971,7 @@
           <a:p>
             <a:fld id="{EE406DD6-2016-4942-94D9-E8478BA5C073}" type="datetimeFigureOut">
               <a:rPr lang="pt-BR" smtClean="0"/>
-              <a:t>23/11/2019</a:t>
+              <a:t>27/11/2019</a:t>
             </a:fld>
             <a:endParaRPr lang="pt-BR"/>
           </a:p>
@@ -2072,7 +2084,7 @@
           <a:p>
             <a:fld id="{EE406DD6-2016-4942-94D9-E8478BA5C073}" type="datetimeFigureOut">
               <a:rPr lang="pt-BR" smtClean="0"/>
-              <a:t>23/11/2019</a:t>
+              <a:t>27/11/2019</a:t>
             </a:fld>
             <a:endParaRPr lang="pt-BR"/>
           </a:p>
@@ -2383,7 +2395,7 @@
           <a:p>
             <a:fld id="{EE406DD6-2016-4942-94D9-E8478BA5C073}" type="datetimeFigureOut">
               <a:rPr lang="pt-BR" smtClean="0"/>
-              <a:t>23/11/2019</a:t>
+              <a:t>27/11/2019</a:t>
             </a:fld>
             <a:endParaRPr lang="pt-BR"/>
           </a:p>
@@ -2671,7 +2683,7 @@
           <a:p>
             <a:fld id="{EE406DD6-2016-4942-94D9-E8478BA5C073}" type="datetimeFigureOut">
               <a:rPr lang="pt-BR" smtClean="0"/>
-              <a:t>23/11/2019</a:t>
+              <a:t>27/11/2019</a:t>
             </a:fld>
             <a:endParaRPr lang="pt-BR"/>
           </a:p>
@@ -2912,7 +2924,7 @@
           <a:p>
             <a:fld id="{EE406DD6-2016-4942-94D9-E8478BA5C073}" type="datetimeFigureOut">
               <a:rPr lang="pt-BR" smtClean="0"/>
-              <a:t>23/11/2019</a:t>
+              <a:t>27/11/2019</a:t>
             </a:fld>
             <a:endParaRPr lang="pt-BR"/>
           </a:p>
@@ -3606,6 +3618,3742 @@
 </p:sld>
 </file>
 
+<file path=ppt/slides/slide10.xml><?xml version="1.0" encoding="utf-8"?>
+<p:sld xmlns:a="http://schemas.openxmlformats.org/drawingml/2006/main" xmlns:r="http://schemas.openxmlformats.org/officeDocument/2006/relationships" xmlns:p="http://schemas.openxmlformats.org/presentationml/2006/main">
+  <p:cSld>
+    <p:spTree>
+      <p:nvGrpSpPr>
+        <p:cNvPr id="1" name=""/>
+        <p:cNvGrpSpPr/>
+        <p:nvPr/>
+      </p:nvGrpSpPr>
+      <p:grpSpPr>
+        <a:xfrm>
+          <a:off x="0" y="0"/>
+          <a:ext cx="0" cy="0"/>
+          <a:chOff x="0" y="0"/>
+          <a:chExt cx="0" cy="0"/>
+        </a:xfrm>
+      </p:grpSpPr>
+      <p:sp>
+        <p:nvSpPr>
+          <p:cNvPr id="12" name="Retângulo 11">
+            <a:extLst>
+              <a:ext uri="{FF2B5EF4-FFF2-40B4-BE49-F238E27FC236}">
+                <a16:creationId xmlns:a16="http://schemas.microsoft.com/office/drawing/2014/main" id="{BAA68BD3-5013-4909-8D6A-68C7BAB24F6C}"/>
+              </a:ext>
+            </a:extLst>
+          </p:cNvPr>
+          <p:cNvSpPr/>
+          <p:nvPr/>
+        </p:nvSpPr>
+        <p:spPr>
+          <a:xfrm>
+            <a:off x="9049676" y="0"/>
+            <a:ext cx="3142323" cy="6858000"/>
+          </a:xfrm>
+          <a:prstGeom prst="rect">
+            <a:avLst/>
+          </a:prstGeom>
+          <a:solidFill>
+            <a:schemeClr val="tx1">
+              <a:lumMod val="85000"/>
+              <a:lumOff val="15000"/>
+            </a:schemeClr>
+          </a:solidFill>
+          <a:ln>
+            <a:noFill/>
+          </a:ln>
+        </p:spPr>
+        <p:style>
+          <a:lnRef idx="2">
+            <a:schemeClr val="accent1">
+              <a:shade val="50000"/>
+            </a:schemeClr>
+          </a:lnRef>
+          <a:fillRef idx="1">
+            <a:schemeClr val="accent1"/>
+          </a:fillRef>
+          <a:effectRef idx="0">
+            <a:schemeClr val="accent1"/>
+          </a:effectRef>
+          <a:fontRef idx="minor">
+            <a:schemeClr val="lt1"/>
+          </a:fontRef>
+        </p:style>
+        <p:txBody>
+          <a:bodyPr rtlCol="0" anchor="ctr"/>
+          <a:lstStyle/>
+          <a:p>
+            <a:pPr algn="ctr"/>
+            <a:endParaRPr lang="pt-BR" dirty="0"/>
+          </a:p>
+        </p:txBody>
+      </p:sp>
+      <p:sp>
+        <p:nvSpPr>
+          <p:cNvPr id="10" name="Retângulo: Cantos Arredondados 9">
+            <a:extLst>
+              <a:ext uri="{FF2B5EF4-FFF2-40B4-BE49-F238E27FC236}">
+                <a16:creationId xmlns:a16="http://schemas.microsoft.com/office/drawing/2014/main" id="{2A5EB968-8EA1-46DE-B19D-042CFCE1EF7F}"/>
+              </a:ext>
+            </a:extLst>
+          </p:cNvPr>
+          <p:cNvSpPr/>
+          <p:nvPr/>
+        </p:nvSpPr>
+        <p:spPr>
+          <a:xfrm>
+            <a:off x="9308891" y="653871"/>
+            <a:ext cx="2578308" cy="4393290"/>
+          </a:xfrm>
+          <a:prstGeom prst="roundRect">
+            <a:avLst>
+              <a:gd name="adj" fmla="val 3817"/>
+            </a:avLst>
+          </a:prstGeom>
+          <a:solidFill>
+            <a:schemeClr val="bg1"/>
+          </a:solidFill>
+          <a:ln>
+            <a:noFill/>
+          </a:ln>
+        </p:spPr>
+        <p:style>
+          <a:lnRef idx="2">
+            <a:schemeClr val="accent1">
+              <a:shade val="50000"/>
+            </a:schemeClr>
+          </a:lnRef>
+          <a:fillRef idx="1">
+            <a:schemeClr val="accent1"/>
+          </a:fillRef>
+          <a:effectRef idx="0">
+            <a:schemeClr val="accent1"/>
+          </a:effectRef>
+          <a:fontRef idx="minor">
+            <a:schemeClr val="lt1"/>
+          </a:fontRef>
+        </p:style>
+        <p:txBody>
+          <a:bodyPr rtlCol="0" anchor="ctr"/>
+          <a:lstStyle/>
+          <a:p>
+            <a:pPr algn="ctr"/>
+            <a:r>
+              <a:rPr lang="fr-FR" sz="2400" dirty="0">
+                <a:solidFill>
+                  <a:schemeClr val="tx1">
+                    <a:lumMod val="85000"/>
+                    <a:lumOff val="15000"/>
+                  </a:schemeClr>
+                </a:solidFill>
+                <a:latin typeface="Arvo" panose="02000000000000000000" pitchFamily="2" charset="0"/>
+                <a:cs typeface="Courier New" panose="02070309020205020404" pitchFamily="49" charset="0"/>
+              </a:rPr>
+              <a:t>iperf3.exe </a:t>
+            </a:r>
+          </a:p>
+          <a:p>
+            <a:pPr algn="ctr"/>
+            <a:r>
+              <a:rPr lang="fr-FR" sz="2400" dirty="0">
+                <a:solidFill>
+                  <a:schemeClr val="tx1">
+                    <a:lumMod val="85000"/>
+                    <a:lumOff val="15000"/>
+                  </a:schemeClr>
+                </a:solidFill>
+                <a:latin typeface="Arvo" panose="02000000000000000000" pitchFamily="2" charset="0"/>
+                <a:cs typeface="Courier New" panose="02070309020205020404" pitchFamily="49" charset="0"/>
+              </a:rPr>
+              <a:t>-f M </a:t>
+            </a:r>
+          </a:p>
+          <a:p>
+            <a:pPr algn="ctr"/>
+            <a:r>
+              <a:rPr lang="fr-FR" sz="2400" dirty="0">
+                <a:solidFill>
+                  <a:schemeClr val="tx1">
+                    <a:lumMod val="85000"/>
+                    <a:lumOff val="15000"/>
+                  </a:schemeClr>
+                </a:solidFill>
+                <a:latin typeface="Arvo" panose="02000000000000000000" pitchFamily="2" charset="0"/>
+                <a:cs typeface="Courier New" panose="02070309020205020404" pitchFamily="49" charset="0"/>
+              </a:rPr>
+              <a:t>-i 0.1 </a:t>
+            </a:r>
+          </a:p>
+          <a:p>
+            <a:pPr algn="ctr"/>
+            <a:r>
+              <a:rPr lang="fr-FR" sz="2400" dirty="0">
+                <a:solidFill>
+                  <a:schemeClr val="tx1">
+                    <a:lumMod val="85000"/>
+                    <a:lumOff val="15000"/>
+                  </a:schemeClr>
+                </a:solidFill>
+                <a:latin typeface="Arvo" panose="02000000000000000000" pitchFamily="2" charset="0"/>
+                <a:cs typeface="Courier New" panose="02070309020205020404" pitchFamily="49" charset="0"/>
+              </a:rPr>
+              <a:t>-t 40 </a:t>
+            </a:r>
+          </a:p>
+          <a:p>
+            <a:pPr algn="ctr"/>
+            <a:r>
+              <a:rPr lang="fr-FR" sz="2400" u="sng" dirty="0">
+                <a:solidFill>
+                  <a:schemeClr val="tx1">
+                    <a:lumMod val="85000"/>
+                    <a:lumOff val="15000"/>
+                  </a:schemeClr>
+                </a:solidFill>
+                <a:latin typeface="Arvo" panose="02000000000000000000" pitchFamily="2" charset="0"/>
+                <a:cs typeface="Courier New" panose="02070309020205020404" pitchFamily="49" charset="0"/>
+              </a:rPr>
+              <a:t>-c &lt;IP&gt;</a:t>
+            </a:r>
+          </a:p>
+          <a:p>
+            <a:pPr algn="ctr"/>
+            <a:r>
+              <a:rPr lang="fr-FR" sz="2400" dirty="0">
+                <a:solidFill>
+                  <a:schemeClr val="tx1">
+                    <a:lumMod val="85000"/>
+                    <a:lumOff val="15000"/>
+                  </a:schemeClr>
+                </a:solidFill>
+                <a:latin typeface="Arvo" panose="02000000000000000000" pitchFamily="2" charset="0"/>
+                <a:cs typeface="Courier New" panose="02070309020205020404" pitchFamily="49" charset="0"/>
+              </a:rPr>
+              <a:t>-p 9010</a:t>
+            </a:r>
+          </a:p>
+          <a:p>
+            <a:pPr algn="ctr"/>
+            <a:endParaRPr lang="fr-FR" sz="2800" dirty="0">
+              <a:solidFill>
+                <a:schemeClr val="tx1"/>
+              </a:solidFill>
+              <a:latin typeface="Courier New" panose="02070309020205020404" pitchFamily="49" charset="0"/>
+              <a:cs typeface="Courier New" panose="02070309020205020404" pitchFamily="49" charset="0"/>
+            </a:endParaRPr>
+          </a:p>
+          <a:p>
+            <a:pPr algn="ctr"/>
+            <a:endParaRPr lang="pt-BR" sz="2800" dirty="0">
+              <a:solidFill>
+                <a:schemeClr val="tx1"/>
+              </a:solidFill>
+              <a:latin typeface="Courier New" panose="02070309020205020404" pitchFamily="49" charset="0"/>
+              <a:cs typeface="Courier New" panose="02070309020205020404" pitchFamily="49" charset="0"/>
+            </a:endParaRPr>
+          </a:p>
+        </p:txBody>
+      </p:sp>
+      <p:sp>
+        <p:nvSpPr>
+          <p:cNvPr id="13" name="Retângulo 12">
+            <a:extLst>
+              <a:ext uri="{FF2B5EF4-FFF2-40B4-BE49-F238E27FC236}">
+                <a16:creationId xmlns:a16="http://schemas.microsoft.com/office/drawing/2014/main" id="{E6A93A88-791B-4871-AC78-3096A4D6B750}"/>
+              </a:ext>
+            </a:extLst>
+          </p:cNvPr>
+          <p:cNvSpPr/>
+          <p:nvPr/>
+        </p:nvSpPr>
+        <p:spPr>
+          <a:xfrm>
+            <a:off x="0" y="-25772"/>
+            <a:ext cx="116519" cy="6883771"/>
+          </a:xfrm>
+          <a:prstGeom prst="rect">
+            <a:avLst/>
+          </a:prstGeom>
+          <a:solidFill>
+            <a:srgbClr val="D22D1C"/>
+          </a:solidFill>
+          <a:ln>
+            <a:noFill/>
+          </a:ln>
+        </p:spPr>
+        <p:style>
+          <a:lnRef idx="2">
+            <a:schemeClr val="accent1">
+              <a:shade val="50000"/>
+            </a:schemeClr>
+          </a:lnRef>
+          <a:fillRef idx="1">
+            <a:schemeClr val="accent1"/>
+          </a:fillRef>
+          <a:effectRef idx="0">
+            <a:schemeClr val="accent1"/>
+          </a:effectRef>
+          <a:fontRef idx="minor">
+            <a:schemeClr val="lt1"/>
+          </a:fontRef>
+        </p:style>
+        <p:txBody>
+          <a:bodyPr rtlCol="0" anchor="ctr"/>
+          <a:lstStyle/>
+          <a:p>
+            <a:pPr algn="ctr"/>
+            <a:endParaRPr lang="pt-BR" dirty="0"/>
+          </a:p>
+        </p:txBody>
+      </p:sp>
+      <p:sp>
+        <p:nvSpPr>
+          <p:cNvPr id="8" name="Retângulo 7">
+            <a:extLst>
+              <a:ext uri="{FF2B5EF4-FFF2-40B4-BE49-F238E27FC236}">
+                <a16:creationId xmlns:a16="http://schemas.microsoft.com/office/drawing/2014/main" id="{698F2A34-2F1D-4531-9765-CBA5DEBD2B4F}"/>
+              </a:ext>
+            </a:extLst>
+          </p:cNvPr>
+          <p:cNvSpPr/>
+          <p:nvPr/>
+        </p:nvSpPr>
+        <p:spPr>
+          <a:xfrm>
+            <a:off x="9049676" y="5425369"/>
+            <a:ext cx="3142323" cy="661019"/>
+          </a:xfrm>
+          <a:prstGeom prst="rect">
+            <a:avLst/>
+          </a:prstGeom>
+          <a:solidFill>
+            <a:srgbClr val="D22D1C"/>
+          </a:solidFill>
+          <a:ln>
+            <a:noFill/>
+          </a:ln>
+        </p:spPr>
+        <p:style>
+          <a:lnRef idx="2">
+            <a:schemeClr val="accent1">
+              <a:shade val="50000"/>
+            </a:schemeClr>
+          </a:lnRef>
+          <a:fillRef idx="1">
+            <a:schemeClr val="accent1"/>
+          </a:fillRef>
+          <a:effectRef idx="0">
+            <a:schemeClr val="accent1"/>
+          </a:effectRef>
+          <a:fontRef idx="minor">
+            <a:schemeClr val="lt1"/>
+          </a:fontRef>
+        </p:style>
+        <p:txBody>
+          <a:bodyPr rtlCol="0" anchor="ctr"/>
+          <a:lstStyle/>
+          <a:p>
+            <a:pPr algn="ctr"/>
+            <a:endParaRPr lang="pt-BR" dirty="0"/>
+          </a:p>
+        </p:txBody>
+      </p:sp>
+      <p:sp>
+        <p:nvSpPr>
+          <p:cNvPr id="4" name="Retângulo 3">
+            <a:extLst>
+              <a:ext uri="{FF2B5EF4-FFF2-40B4-BE49-F238E27FC236}">
+                <a16:creationId xmlns:a16="http://schemas.microsoft.com/office/drawing/2014/main" id="{DB7A2FCF-A34A-4573-B964-995AFEEC16FB}"/>
+              </a:ext>
+            </a:extLst>
+          </p:cNvPr>
+          <p:cNvSpPr/>
+          <p:nvPr/>
+        </p:nvSpPr>
+        <p:spPr>
+          <a:xfrm>
+            <a:off x="9308891" y="5425370"/>
+            <a:ext cx="2883107" cy="661019"/>
+          </a:xfrm>
+          <a:prstGeom prst="rect">
+            <a:avLst/>
+          </a:prstGeom>
+          <a:solidFill>
+            <a:schemeClr val="tx1">
+              <a:lumMod val="95000"/>
+              <a:lumOff val="5000"/>
+            </a:schemeClr>
+          </a:solidFill>
+          <a:ln>
+            <a:noFill/>
+          </a:ln>
+        </p:spPr>
+        <p:style>
+          <a:lnRef idx="2">
+            <a:schemeClr val="accent1">
+              <a:shade val="50000"/>
+            </a:schemeClr>
+          </a:lnRef>
+          <a:fillRef idx="1">
+            <a:schemeClr val="accent1"/>
+          </a:fillRef>
+          <a:effectRef idx="0">
+            <a:schemeClr val="accent1"/>
+          </a:effectRef>
+          <a:fontRef idx="minor">
+            <a:schemeClr val="lt1"/>
+          </a:fontRef>
+        </p:style>
+        <p:txBody>
+          <a:bodyPr rtlCol="0" anchor="ctr"/>
+          <a:lstStyle/>
+          <a:p>
+            <a:pPr algn="ctr"/>
+            <a:endParaRPr lang="pt-BR" dirty="0"/>
+          </a:p>
+        </p:txBody>
+      </p:sp>
+      <p:sp>
+        <p:nvSpPr>
+          <p:cNvPr id="5" name="CaixaDeTexto 4">
+            <a:extLst>
+              <a:ext uri="{FF2B5EF4-FFF2-40B4-BE49-F238E27FC236}">
+                <a16:creationId xmlns:a16="http://schemas.microsoft.com/office/drawing/2014/main" id="{4FEED3BC-5DB5-4222-B381-3EC4ED3E1488}"/>
+              </a:ext>
+            </a:extLst>
+          </p:cNvPr>
+          <p:cNvSpPr txBox="1"/>
+          <p:nvPr/>
+        </p:nvSpPr>
+        <p:spPr>
+          <a:xfrm>
+            <a:off x="9390559" y="5494269"/>
+            <a:ext cx="2421690" cy="523220"/>
+          </a:xfrm>
+          <a:prstGeom prst="rect">
+            <a:avLst/>
+          </a:prstGeom>
+          <a:noFill/>
+        </p:spPr>
+        <p:txBody>
+          <a:bodyPr wrap="square" rtlCol="0">
+            <a:spAutoFit/>
+          </a:bodyPr>
+          <a:lstStyle/>
+          <a:p>
+            <a:pPr algn="ctr"/>
+            <a:r>
+              <a:rPr lang="pt-BR" sz="2800" dirty="0">
+                <a:solidFill>
+                  <a:srgbClr val="D22D1C"/>
+                </a:solidFill>
+                <a:latin typeface="Arvo" panose="02000000000000000000" pitchFamily="2" charset="0"/>
+                <a:ea typeface="Adobe Gothic Std B" panose="020B0800000000000000" pitchFamily="34" charset="-128"/>
+              </a:rPr>
+              <a:t>UDP </a:t>
+            </a:r>
+            <a:r>
+              <a:rPr lang="pt-BR" dirty="0">
+                <a:solidFill>
+                  <a:schemeClr val="bg1"/>
+                </a:solidFill>
+                <a:latin typeface="Arvo" panose="02000000000000000000" pitchFamily="2" charset="0"/>
+                <a:ea typeface="Adobe Gothic Std B" panose="020B0800000000000000" pitchFamily="34" charset="-128"/>
+              </a:rPr>
+              <a:t>com </a:t>
+            </a:r>
+            <a:r>
+              <a:rPr lang="pt-BR" dirty="0" err="1">
+                <a:solidFill>
+                  <a:schemeClr val="bg1"/>
+                </a:solidFill>
+                <a:latin typeface="Arvo" panose="02000000000000000000" pitchFamily="2" charset="0"/>
+                <a:ea typeface="Adobe Gothic Std B" panose="020B0800000000000000" pitchFamily="34" charset="-128"/>
+              </a:rPr>
+              <a:t>iperf</a:t>
+            </a:r>
+            <a:endParaRPr lang="pt-BR" sz="2800" dirty="0">
+              <a:solidFill>
+                <a:schemeClr val="bg1"/>
+              </a:solidFill>
+              <a:latin typeface="Arvo" panose="02000000000000000000" pitchFamily="2" charset="0"/>
+              <a:ea typeface="Adobe Gothic Std B" panose="020B0800000000000000" pitchFamily="34" charset="-128"/>
+            </a:endParaRPr>
+          </a:p>
+        </p:txBody>
+      </p:sp>
+      <p:pic>
+        <p:nvPicPr>
+          <p:cNvPr id="7" name="Imagem 6">
+            <a:extLst>
+              <a:ext uri="{FF2B5EF4-FFF2-40B4-BE49-F238E27FC236}">
+                <a16:creationId xmlns:a16="http://schemas.microsoft.com/office/drawing/2014/main" id="{F80EE3D9-9CEB-4CA6-BAC6-6E22A16CFA28}"/>
+              </a:ext>
+            </a:extLst>
+          </p:cNvPr>
+          <p:cNvPicPr>
+            <a:picLocks noChangeAspect="1"/>
+          </p:cNvPicPr>
+          <p:nvPr/>
+        </p:nvPicPr>
+        <p:blipFill rotWithShape="1">
+          <a:blip r:embed="rId2"/>
+          <a:srcRect l="13162" t="14644" r="16251" b="7104"/>
+          <a:stretch/>
+        </p:blipFill>
+        <p:spPr>
+          <a:xfrm>
+            <a:off x="549042" y="199812"/>
+            <a:ext cx="8068111" cy="6458376"/>
+          </a:xfrm>
+          <a:prstGeom prst="rect">
+            <a:avLst/>
+          </a:prstGeom>
+        </p:spPr>
+      </p:pic>
+      <p:sp>
+        <p:nvSpPr>
+          <p:cNvPr id="14" name="CaixaDeTexto 13">
+            <a:extLst>
+              <a:ext uri="{FF2B5EF4-FFF2-40B4-BE49-F238E27FC236}">
+                <a16:creationId xmlns:a16="http://schemas.microsoft.com/office/drawing/2014/main" id="{1993147B-4329-43B2-ACE1-ACE587294A8A}"/>
+              </a:ext>
+            </a:extLst>
+          </p:cNvPr>
+          <p:cNvSpPr txBox="1"/>
+          <p:nvPr/>
+        </p:nvSpPr>
+        <p:spPr>
+          <a:xfrm>
+            <a:off x="9331683" y="3791542"/>
+            <a:ext cx="2578308" cy="963149"/>
+          </a:xfrm>
+          <a:prstGeom prst="rect">
+            <a:avLst/>
+          </a:prstGeom>
+          <a:noFill/>
+        </p:spPr>
+        <p:txBody>
+          <a:bodyPr wrap="square" rtlCol="0">
+            <a:spAutoFit/>
+          </a:bodyPr>
+          <a:lstStyle/>
+          <a:p>
+            <a:pPr algn="ctr">
+              <a:lnSpc>
+                <a:spcPct val="150000"/>
+              </a:lnSpc>
+            </a:pPr>
+            <a:r>
+              <a:rPr lang="pt-BR" sz="2000" dirty="0">
+                <a:solidFill>
+                  <a:schemeClr val="tx1">
+                    <a:lumMod val="85000"/>
+                    <a:lumOff val="15000"/>
+                  </a:schemeClr>
+                </a:solidFill>
+                <a:latin typeface="Arvo" panose="02000000000000000000" pitchFamily="2" charset="0"/>
+                <a:ea typeface="Adobe Gothic Std B" panose="020B0800000000000000" pitchFamily="34" charset="-128"/>
+              </a:rPr>
+              <a:t>44 segundos </a:t>
+            </a:r>
+          </a:p>
+          <a:p>
+            <a:pPr algn="ctr">
+              <a:lnSpc>
+                <a:spcPct val="150000"/>
+              </a:lnSpc>
+            </a:pPr>
+            <a:r>
+              <a:rPr lang="pt-BR" sz="2000" dirty="0">
+                <a:solidFill>
+                  <a:schemeClr val="tx1">
+                    <a:lumMod val="85000"/>
+                    <a:lumOff val="15000"/>
+                  </a:schemeClr>
+                </a:solidFill>
+                <a:latin typeface="Arvo" panose="02000000000000000000" pitchFamily="2" charset="0"/>
+                <a:ea typeface="Adobe Gothic Std B" panose="020B0800000000000000" pitchFamily="34" charset="-128"/>
+              </a:rPr>
+              <a:t>100.000 pacotes</a:t>
+            </a:r>
+          </a:p>
+        </p:txBody>
+      </p:sp>
+    </p:spTree>
+    <p:extLst>
+      <p:ext uri="{BB962C8B-B14F-4D97-AF65-F5344CB8AC3E}">
+        <p14:creationId xmlns:p14="http://schemas.microsoft.com/office/powerpoint/2010/main" val="3910219988"/>
+      </p:ext>
+    </p:extLst>
+  </p:cSld>
+  <p:clrMapOvr>
+    <a:masterClrMapping/>
+  </p:clrMapOvr>
+</p:sld>
+</file>
+
+<file path=ppt/slides/slide11.xml><?xml version="1.0" encoding="utf-8"?>
+<p:sld xmlns:a="http://schemas.openxmlformats.org/drawingml/2006/main" xmlns:r="http://schemas.openxmlformats.org/officeDocument/2006/relationships" xmlns:p="http://schemas.openxmlformats.org/presentationml/2006/main">
+  <p:cSld>
+    <p:spTree>
+      <p:nvGrpSpPr>
+        <p:cNvPr id="1" name=""/>
+        <p:cNvGrpSpPr/>
+        <p:nvPr/>
+      </p:nvGrpSpPr>
+      <p:grpSpPr>
+        <a:xfrm>
+          <a:off x="0" y="0"/>
+          <a:ext cx="0" cy="0"/>
+          <a:chOff x="0" y="0"/>
+          <a:chExt cx="0" cy="0"/>
+        </a:xfrm>
+      </p:grpSpPr>
+      <p:pic>
+        <p:nvPicPr>
+          <p:cNvPr id="1026" name="Picture 2" descr="Resultado de imagem para planet internet wallpaper">
+            <a:extLst>
+              <a:ext uri="{FF2B5EF4-FFF2-40B4-BE49-F238E27FC236}">
+                <a16:creationId xmlns:a16="http://schemas.microsoft.com/office/drawing/2014/main" id="{495F2C4D-3AC2-44CF-8C99-F6C74663A148}"/>
+              </a:ext>
+            </a:extLst>
+          </p:cNvPr>
+          <p:cNvPicPr>
+            <a:picLocks noChangeAspect="1" noChangeArrowheads="1"/>
+          </p:cNvPicPr>
+          <p:nvPr/>
+        </p:nvPicPr>
+        <p:blipFill>
+          <a:blip r:embed="rId2">
+            <a:extLst>
+              <a:ext uri="{BEBA8EAE-BF5A-486C-A8C5-ECC9F3942E4B}">
+                <a14:imgProps xmlns:a14="http://schemas.microsoft.com/office/drawing/2010/main">
+                  <a14:imgLayer r:embed="rId3">
+                    <a14:imgEffect>
+                      <a14:saturation sat="0"/>
+                    </a14:imgEffect>
+                  </a14:imgLayer>
+                </a14:imgProps>
+              </a:ext>
+              <a:ext uri="{28A0092B-C50C-407E-A947-70E740481C1C}">
+                <a14:useLocalDpi xmlns:a14="http://schemas.microsoft.com/office/drawing/2010/main" val="0"/>
+              </a:ext>
+            </a:extLst>
+          </a:blip>
+          <a:srcRect/>
+          <a:stretch>
+            <a:fillRect/>
+          </a:stretch>
+        </p:blipFill>
+        <p:spPr bwMode="auto">
+          <a:xfrm>
+            <a:off x="0" y="0"/>
+            <a:ext cx="12192000" cy="6858000"/>
+          </a:xfrm>
+          <a:prstGeom prst="rect">
+            <a:avLst/>
+          </a:prstGeom>
+          <a:noFill/>
+          <a:extLst>
+            <a:ext uri="{909E8E84-426E-40DD-AFC4-6F175D3DCCD1}">
+              <a14:hiddenFill xmlns:a14="http://schemas.microsoft.com/office/drawing/2010/main">
+                <a:solidFill>
+                  <a:srgbClr val="FFFFFF"/>
+                </a:solidFill>
+              </a14:hiddenFill>
+            </a:ext>
+          </a:extLst>
+        </p:spPr>
+      </p:pic>
+      <p:sp>
+        <p:nvSpPr>
+          <p:cNvPr id="8" name="Retângulo 7">
+            <a:extLst>
+              <a:ext uri="{FF2B5EF4-FFF2-40B4-BE49-F238E27FC236}">
+                <a16:creationId xmlns:a16="http://schemas.microsoft.com/office/drawing/2014/main" id="{698F2A34-2F1D-4531-9765-CBA5DEBD2B4F}"/>
+              </a:ext>
+            </a:extLst>
+          </p:cNvPr>
+          <p:cNvSpPr/>
+          <p:nvPr/>
+        </p:nvSpPr>
+        <p:spPr>
+          <a:xfrm>
+            <a:off x="2710375" y="2570871"/>
+            <a:ext cx="6771249" cy="1716258"/>
+          </a:xfrm>
+          <a:prstGeom prst="rect">
+            <a:avLst/>
+          </a:prstGeom>
+          <a:solidFill>
+            <a:srgbClr val="D22D1C"/>
+          </a:solidFill>
+          <a:ln>
+            <a:noFill/>
+          </a:ln>
+        </p:spPr>
+        <p:style>
+          <a:lnRef idx="2">
+            <a:schemeClr val="accent1">
+              <a:shade val="50000"/>
+            </a:schemeClr>
+          </a:lnRef>
+          <a:fillRef idx="1">
+            <a:schemeClr val="accent1"/>
+          </a:fillRef>
+          <a:effectRef idx="0">
+            <a:schemeClr val="accent1"/>
+          </a:effectRef>
+          <a:fontRef idx="minor">
+            <a:schemeClr val="lt1"/>
+          </a:fontRef>
+        </p:style>
+        <p:txBody>
+          <a:bodyPr rtlCol="0" anchor="ctr"/>
+          <a:lstStyle/>
+          <a:p>
+            <a:pPr algn="ctr"/>
+            <a:endParaRPr lang="pt-BR" dirty="0"/>
+          </a:p>
+        </p:txBody>
+      </p:sp>
+      <p:sp>
+        <p:nvSpPr>
+          <p:cNvPr id="4" name="Retângulo 3">
+            <a:extLst>
+              <a:ext uri="{FF2B5EF4-FFF2-40B4-BE49-F238E27FC236}">
+                <a16:creationId xmlns:a16="http://schemas.microsoft.com/office/drawing/2014/main" id="{DB7A2FCF-A34A-4573-B964-995AFEEC16FB}"/>
+              </a:ext>
+            </a:extLst>
+          </p:cNvPr>
+          <p:cNvSpPr/>
+          <p:nvPr/>
+        </p:nvSpPr>
+        <p:spPr>
+          <a:xfrm>
+            <a:off x="2860431" y="2570871"/>
+            <a:ext cx="6471138" cy="1716258"/>
+          </a:xfrm>
+          <a:prstGeom prst="rect">
+            <a:avLst/>
+          </a:prstGeom>
+          <a:solidFill>
+            <a:schemeClr val="tx1">
+              <a:lumMod val="95000"/>
+              <a:lumOff val="5000"/>
+            </a:schemeClr>
+          </a:solidFill>
+          <a:ln>
+            <a:noFill/>
+          </a:ln>
+        </p:spPr>
+        <p:style>
+          <a:lnRef idx="2">
+            <a:schemeClr val="accent1">
+              <a:shade val="50000"/>
+            </a:schemeClr>
+          </a:lnRef>
+          <a:fillRef idx="1">
+            <a:schemeClr val="accent1"/>
+          </a:fillRef>
+          <a:effectRef idx="0">
+            <a:schemeClr val="accent1"/>
+          </a:effectRef>
+          <a:fontRef idx="minor">
+            <a:schemeClr val="lt1"/>
+          </a:fontRef>
+        </p:style>
+        <p:txBody>
+          <a:bodyPr rtlCol="0" anchor="ctr"/>
+          <a:lstStyle/>
+          <a:p>
+            <a:pPr algn="ctr"/>
+            <a:endParaRPr lang="pt-BR" dirty="0"/>
+          </a:p>
+        </p:txBody>
+      </p:sp>
+      <p:sp>
+        <p:nvSpPr>
+          <p:cNvPr id="5" name="CaixaDeTexto 4">
+            <a:extLst>
+              <a:ext uri="{FF2B5EF4-FFF2-40B4-BE49-F238E27FC236}">
+                <a16:creationId xmlns:a16="http://schemas.microsoft.com/office/drawing/2014/main" id="{4FEED3BC-5DB5-4222-B381-3EC4ED3E1488}"/>
+              </a:ext>
+            </a:extLst>
+          </p:cNvPr>
+          <p:cNvSpPr txBox="1"/>
+          <p:nvPr/>
+        </p:nvSpPr>
+        <p:spPr>
+          <a:xfrm>
+            <a:off x="3200400" y="3013501"/>
+            <a:ext cx="5791200" cy="830997"/>
+          </a:xfrm>
+          <a:prstGeom prst="rect">
+            <a:avLst/>
+          </a:prstGeom>
+          <a:noFill/>
+        </p:spPr>
+        <p:txBody>
+          <a:bodyPr wrap="square" rtlCol="0">
+            <a:spAutoFit/>
+          </a:bodyPr>
+          <a:lstStyle/>
+          <a:p>
+            <a:pPr algn="ctr"/>
+            <a:r>
+              <a:rPr lang="pt-BR" sz="4800" dirty="0">
+                <a:solidFill>
+                  <a:srgbClr val="D22D1C"/>
+                </a:solidFill>
+                <a:latin typeface="Arvo" panose="02000000000000000000" pitchFamily="2" charset="0"/>
+                <a:ea typeface="Adobe Gothic Std B" panose="020B0800000000000000" pitchFamily="34" charset="-128"/>
+              </a:rPr>
+              <a:t>TCP</a:t>
+            </a:r>
+          </a:p>
+        </p:txBody>
+      </p:sp>
+    </p:spTree>
+    <p:extLst>
+      <p:ext uri="{BB962C8B-B14F-4D97-AF65-F5344CB8AC3E}">
+        <p14:creationId xmlns:p14="http://schemas.microsoft.com/office/powerpoint/2010/main" val="3965579455"/>
+      </p:ext>
+    </p:extLst>
+  </p:cSld>
+  <p:clrMapOvr>
+    <a:masterClrMapping/>
+  </p:clrMapOvr>
+</p:sld>
+</file>
+
+<file path=ppt/slides/slide12.xml><?xml version="1.0" encoding="utf-8"?>
+<p:sld xmlns:a="http://schemas.openxmlformats.org/drawingml/2006/main" xmlns:r="http://schemas.openxmlformats.org/officeDocument/2006/relationships" xmlns:p="http://schemas.openxmlformats.org/presentationml/2006/main">
+  <p:cSld>
+    <p:spTree>
+      <p:nvGrpSpPr>
+        <p:cNvPr id="1" name=""/>
+        <p:cNvGrpSpPr/>
+        <p:nvPr/>
+      </p:nvGrpSpPr>
+      <p:grpSpPr>
+        <a:xfrm>
+          <a:off x="0" y="0"/>
+          <a:ext cx="0" cy="0"/>
+          <a:chOff x="0" y="0"/>
+          <a:chExt cx="0" cy="0"/>
+        </a:xfrm>
+      </p:grpSpPr>
+      <p:sp>
+        <p:nvSpPr>
+          <p:cNvPr id="12" name="Retângulo 11">
+            <a:extLst>
+              <a:ext uri="{FF2B5EF4-FFF2-40B4-BE49-F238E27FC236}">
+                <a16:creationId xmlns:a16="http://schemas.microsoft.com/office/drawing/2014/main" id="{BAA68BD3-5013-4909-8D6A-68C7BAB24F6C}"/>
+              </a:ext>
+            </a:extLst>
+          </p:cNvPr>
+          <p:cNvSpPr/>
+          <p:nvPr/>
+        </p:nvSpPr>
+        <p:spPr>
+          <a:xfrm>
+            <a:off x="0" y="0"/>
+            <a:ext cx="12191999" cy="6858000"/>
+          </a:xfrm>
+          <a:prstGeom prst="rect">
+            <a:avLst/>
+          </a:prstGeom>
+          <a:solidFill>
+            <a:schemeClr val="tx1">
+              <a:lumMod val="85000"/>
+              <a:lumOff val="15000"/>
+            </a:schemeClr>
+          </a:solidFill>
+          <a:ln>
+            <a:noFill/>
+          </a:ln>
+        </p:spPr>
+        <p:style>
+          <a:lnRef idx="2">
+            <a:schemeClr val="accent1">
+              <a:shade val="50000"/>
+            </a:schemeClr>
+          </a:lnRef>
+          <a:fillRef idx="1">
+            <a:schemeClr val="accent1"/>
+          </a:fillRef>
+          <a:effectRef idx="0">
+            <a:schemeClr val="accent1"/>
+          </a:effectRef>
+          <a:fontRef idx="minor">
+            <a:schemeClr val="lt1"/>
+          </a:fontRef>
+        </p:style>
+        <p:txBody>
+          <a:bodyPr rtlCol="0" anchor="ctr"/>
+          <a:lstStyle/>
+          <a:p>
+            <a:pPr algn="ctr"/>
+            <a:endParaRPr lang="pt-BR" dirty="0"/>
+          </a:p>
+        </p:txBody>
+      </p:sp>
+      <p:sp>
+        <p:nvSpPr>
+          <p:cNvPr id="10" name="Retângulo: Cantos Arredondados 9">
+            <a:extLst>
+              <a:ext uri="{FF2B5EF4-FFF2-40B4-BE49-F238E27FC236}">
+                <a16:creationId xmlns:a16="http://schemas.microsoft.com/office/drawing/2014/main" id="{2A5EB968-8EA1-46DE-B19D-042CFCE1EF7F}"/>
+              </a:ext>
+            </a:extLst>
+          </p:cNvPr>
+          <p:cNvSpPr/>
+          <p:nvPr/>
+        </p:nvSpPr>
+        <p:spPr>
+          <a:xfrm>
+            <a:off x="1181723" y="1242479"/>
+            <a:ext cx="9828552" cy="5249334"/>
+          </a:xfrm>
+          <a:prstGeom prst="roundRect">
+            <a:avLst>
+              <a:gd name="adj" fmla="val 3817"/>
+            </a:avLst>
+          </a:prstGeom>
+          <a:solidFill>
+            <a:schemeClr val="bg1"/>
+          </a:solidFill>
+          <a:ln>
+            <a:noFill/>
+          </a:ln>
+        </p:spPr>
+        <p:style>
+          <a:lnRef idx="2">
+            <a:schemeClr val="accent1">
+              <a:shade val="50000"/>
+            </a:schemeClr>
+          </a:lnRef>
+          <a:fillRef idx="1">
+            <a:schemeClr val="accent1"/>
+          </a:fillRef>
+          <a:effectRef idx="0">
+            <a:schemeClr val="accent1"/>
+          </a:effectRef>
+          <a:fontRef idx="minor">
+            <a:schemeClr val="lt1"/>
+          </a:fontRef>
+        </p:style>
+        <p:txBody>
+          <a:bodyPr rtlCol="0" anchor="ctr"/>
+          <a:lstStyle/>
+          <a:p>
+            <a:pPr algn="ctr"/>
+            <a:endParaRPr lang="pt-BR"/>
+          </a:p>
+        </p:txBody>
+      </p:sp>
+      <p:sp>
+        <p:nvSpPr>
+          <p:cNvPr id="13" name="Retângulo 12">
+            <a:extLst>
+              <a:ext uri="{FF2B5EF4-FFF2-40B4-BE49-F238E27FC236}">
+                <a16:creationId xmlns:a16="http://schemas.microsoft.com/office/drawing/2014/main" id="{E6A93A88-791B-4871-AC78-3096A4D6B750}"/>
+              </a:ext>
+            </a:extLst>
+          </p:cNvPr>
+          <p:cNvSpPr/>
+          <p:nvPr/>
+        </p:nvSpPr>
+        <p:spPr>
+          <a:xfrm>
+            <a:off x="0" y="-25772"/>
+            <a:ext cx="164963" cy="6883771"/>
+          </a:xfrm>
+          <a:prstGeom prst="rect">
+            <a:avLst/>
+          </a:prstGeom>
+          <a:solidFill>
+            <a:srgbClr val="D22D1C"/>
+          </a:solidFill>
+          <a:ln>
+            <a:noFill/>
+          </a:ln>
+        </p:spPr>
+        <p:style>
+          <a:lnRef idx="2">
+            <a:schemeClr val="accent1">
+              <a:shade val="50000"/>
+            </a:schemeClr>
+          </a:lnRef>
+          <a:fillRef idx="1">
+            <a:schemeClr val="accent1"/>
+          </a:fillRef>
+          <a:effectRef idx="0">
+            <a:schemeClr val="accent1"/>
+          </a:effectRef>
+          <a:fontRef idx="minor">
+            <a:schemeClr val="lt1"/>
+          </a:fontRef>
+        </p:style>
+        <p:txBody>
+          <a:bodyPr rtlCol="0" anchor="ctr"/>
+          <a:lstStyle/>
+          <a:p>
+            <a:pPr algn="ctr"/>
+            <a:endParaRPr lang="pt-BR" dirty="0"/>
+          </a:p>
+        </p:txBody>
+      </p:sp>
+      <p:sp>
+        <p:nvSpPr>
+          <p:cNvPr id="8" name="Retângulo 7">
+            <a:extLst>
+              <a:ext uri="{FF2B5EF4-FFF2-40B4-BE49-F238E27FC236}">
+                <a16:creationId xmlns:a16="http://schemas.microsoft.com/office/drawing/2014/main" id="{698F2A34-2F1D-4531-9765-CBA5DEBD2B4F}"/>
+              </a:ext>
+            </a:extLst>
+          </p:cNvPr>
+          <p:cNvSpPr/>
+          <p:nvPr/>
+        </p:nvSpPr>
+        <p:spPr>
+          <a:xfrm>
+            <a:off x="2710374" y="157455"/>
+            <a:ext cx="6771249" cy="952947"/>
+          </a:xfrm>
+          <a:prstGeom prst="rect">
+            <a:avLst/>
+          </a:prstGeom>
+          <a:solidFill>
+            <a:srgbClr val="D22D1C"/>
+          </a:solidFill>
+          <a:ln>
+            <a:noFill/>
+          </a:ln>
+        </p:spPr>
+        <p:style>
+          <a:lnRef idx="2">
+            <a:schemeClr val="accent1">
+              <a:shade val="50000"/>
+            </a:schemeClr>
+          </a:lnRef>
+          <a:fillRef idx="1">
+            <a:schemeClr val="accent1"/>
+          </a:fillRef>
+          <a:effectRef idx="0">
+            <a:schemeClr val="accent1"/>
+          </a:effectRef>
+          <a:fontRef idx="minor">
+            <a:schemeClr val="lt1"/>
+          </a:fontRef>
+        </p:style>
+        <p:txBody>
+          <a:bodyPr rtlCol="0" anchor="ctr"/>
+          <a:lstStyle/>
+          <a:p>
+            <a:pPr algn="ctr"/>
+            <a:endParaRPr lang="pt-BR" dirty="0"/>
+          </a:p>
+        </p:txBody>
+      </p:sp>
+      <p:sp>
+        <p:nvSpPr>
+          <p:cNvPr id="4" name="Retângulo 3">
+            <a:extLst>
+              <a:ext uri="{FF2B5EF4-FFF2-40B4-BE49-F238E27FC236}">
+                <a16:creationId xmlns:a16="http://schemas.microsoft.com/office/drawing/2014/main" id="{DB7A2FCF-A34A-4573-B964-995AFEEC16FB}"/>
+              </a:ext>
+            </a:extLst>
+          </p:cNvPr>
+          <p:cNvSpPr/>
+          <p:nvPr/>
+        </p:nvSpPr>
+        <p:spPr>
+          <a:xfrm>
+            <a:off x="2860429" y="157455"/>
+            <a:ext cx="6471138" cy="952947"/>
+          </a:xfrm>
+          <a:prstGeom prst="rect">
+            <a:avLst/>
+          </a:prstGeom>
+          <a:solidFill>
+            <a:schemeClr val="tx1">
+              <a:lumMod val="95000"/>
+              <a:lumOff val="5000"/>
+            </a:schemeClr>
+          </a:solidFill>
+          <a:ln>
+            <a:noFill/>
+          </a:ln>
+        </p:spPr>
+        <p:style>
+          <a:lnRef idx="2">
+            <a:schemeClr val="accent1">
+              <a:shade val="50000"/>
+            </a:schemeClr>
+          </a:lnRef>
+          <a:fillRef idx="1">
+            <a:schemeClr val="accent1"/>
+          </a:fillRef>
+          <a:effectRef idx="0">
+            <a:schemeClr val="accent1"/>
+          </a:effectRef>
+          <a:fontRef idx="minor">
+            <a:schemeClr val="lt1"/>
+          </a:fontRef>
+        </p:style>
+        <p:txBody>
+          <a:bodyPr rtlCol="0" anchor="ctr"/>
+          <a:lstStyle/>
+          <a:p>
+            <a:pPr algn="ctr"/>
+            <a:endParaRPr lang="pt-BR" dirty="0"/>
+          </a:p>
+        </p:txBody>
+      </p:sp>
+      <p:sp>
+        <p:nvSpPr>
+          <p:cNvPr id="5" name="CaixaDeTexto 4">
+            <a:extLst>
+              <a:ext uri="{FF2B5EF4-FFF2-40B4-BE49-F238E27FC236}">
+                <a16:creationId xmlns:a16="http://schemas.microsoft.com/office/drawing/2014/main" id="{4FEED3BC-5DB5-4222-B381-3EC4ED3E1488}"/>
+              </a:ext>
+            </a:extLst>
+          </p:cNvPr>
+          <p:cNvSpPr txBox="1"/>
+          <p:nvPr/>
+        </p:nvSpPr>
+        <p:spPr>
+          <a:xfrm>
+            <a:off x="3200398" y="257932"/>
+            <a:ext cx="5791200" cy="769441"/>
+          </a:xfrm>
+          <a:prstGeom prst="rect">
+            <a:avLst/>
+          </a:prstGeom>
+          <a:noFill/>
+        </p:spPr>
+        <p:txBody>
+          <a:bodyPr wrap="square" rtlCol="0">
+            <a:spAutoFit/>
+          </a:bodyPr>
+          <a:lstStyle/>
+          <a:p>
+            <a:pPr algn="ctr"/>
+            <a:r>
+              <a:rPr lang="pt-BR" sz="4400" dirty="0">
+                <a:solidFill>
+                  <a:srgbClr val="D22D1C"/>
+                </a:solidFill>
+                <a:latin typeface="Arvo" panose="02000000000000000000" pitchFamily="2" charset="0"/>
+                <a:ea typeface="Adobe Gothic Std B" panose="020B0800000000000000" pitchFamily="34" charset="-128"/>
+              </a:rPr>
+              <a:t>TCP </a:t>
+            </a:r>
+            <a:r>
+              <a:rPr lang="pt-BR" sz="3200" dirty="0">
+                <a:solidFill>
+                  <a:schemeClr val="bg1"/>
+                </a:solidFill>
+                <a:latin typeface="Arvo" panose="02000000000000000000" pitchFamily="2" charset="0"/>
+                <a:ea typeface="Adobe Gothic Std B" panose="020B0800000000000000" pitchFamily="34" charset="-128"/>
+              </a:rPr>
+              <a:t>sem </a:t>
+            </a:r>
+            <a:r>
+              <a:rPr lang="pt-BR" sz="3200" dirty="0" err="1">
+                <a:solidFill>
+                  <a:schemeClr val="bg1"/>
+                </a:solidFill>
+                <a:latin typeface="Arvo" panose="02000000000000000000" pitchFamily="2" charset="0"/>
+                <a:ea typeface="Adobe Gothic Std B" panose="020B0800000000000000" pitchFamily="34" charset="-128"/>
+              </a:rPr>
+              <a:t>iperf</a:t>
+            </a:r>
+            <a:endParaRPr lang="pt-BR" sz="4400" dirty="0">
+              <a:solidFill>
+                <a:schemeClr val="bg1"/>
+              </a:solidFill>
+              <a:latin typeface="Arvo" panose="02000000000000000000" pitchFamily="2" charset="0"/>
+              <a:ea typeface="Adobe Gothic Std B" panose="020B0800000000000000" pitchFamily="34" charset="-128"/>
+            </a:endParaRPr>
+          </a:p>
+        </p:txBody>
+      </p:sp>
+      <p:pic>
+        <p:nvPicPr>
+          <p:cNvPr id="3" name="Imagem 2">
+            <a:extLst>
+              <a:ext uri="{FF2B5EF4-FFF2-40B4-BE49-F238E27FC236}">
+                <a16:creationId xmlns:a16="http://schemas.microsoft.com/office/drawing/2014/main" id="{62E56FA7-18FB-42B6-9BD9-A76189C1D335}"/>
+              </a:ext>
+            </a:extLst>
+          </p:cNvPr>
+          <p:cNvPicPr>
+            <a:picLocks noChangeAspect="1"/>
+          </p:cNvPicPr>
+          <p:nvPr/>
+        </p:nvPicPr>
+        <p:blipFill rotWithShape="1">
+          <a:blip r:embed="rId2"/>
+          <a:srcRect l="12667" t="25436" r="14348" b="55282"/>
+          <a:stretch/>
+        </p:blipFill>
+        <p:spPr>
+          <a:xfrm>
+            <a:off x="1392451" y="2027968"/>
+            <a:ext cx="9407094" cy="1491175"/>
+          </a:xfrm>
+          <a:prstGeom prst="rect">
+            <a:avLst/>
+          </a:prstGeom>
+        </p:spPr>
+      </p:pic>
+      <p:pic>
+        <p:nvPicPr>
+          <p:cNvPr id="9" name="Imagem 8">
+            <a:extLst>
+              <a:ext uri="{FF2B5EF4-FFF2-40B4-BE49-F238E27FC236}">
+                <a16:creationId xmlns:a16="http://schemas.microsoft.com/office/drawing/2014/main" id="{F65F31AC-771F-4065-AD84-6E4F8FE389E1}"/>
+              </a:ext>
+            </a:extLst>
+          </p:cNvPr>
+          <p:cNvPicPr>
+            <a:picLocks noChangeAspect="1"/>
+          </p:cNvPicPr>
+          <p:nvPr/>
+        </p:nvPicPr>
+        <p:blipFill rotWithShape="1">
+          <a:blip r:embed="rId3"/>
+          <a:srcRect l="19435" t="40000" r="20380" b="34564"/>
+          <a:stretch/>
+        </p:blipFill>
+        <p:spPr>
+          <a:xfrm>
+            <a:off x="1561551" y="3734249"/>
+            <a:ext cx="8693797" cy="2204563"/>
+          </a:xfrm>
+          <a:prstGeom prst="rect">
+            <a:avLst/>
+          </a:prstGeom>
+        </p:spPr>
+      </p:pic>
+    </p:spTree>
+    <p:extLst>
+      <p:ext uri="{BB962C8B-B14F-4D97-AF65-F5344CB8AC3E}">
+        <p14:creationId xmlns:p14="http://schemas.microsoft.com/office/powerpoint/2010/main" val="4293794812"/>
+      </p:ext>
+    </p:extLst>
+  </p:cSld>
+  <p:clrMapOvr>
+    <a:masterClrMapping/>
+  </p:clrMapOvr>
+</p:sld>
+</file>
+
+<file path=ppt/slides/slide13.xml><?xml version="1.0" encoding="utf-8"?>
+<p:sld xmlns:a="http://schemas.openxmlformats.org/drawingml/2006/main" xmlns:r="http://schemas.openxmlformats.org/officeDocument/2006/relationships" xmlns:p="http://schemas.openxmlformats.org/presentationml/2006/main">
+  <p:cSld>
+    <p:spTree>
+      <p:nvGrpSpPr>
+        <p:cNvPr id="1" name=""/>
+        <p:cNvGrpSpPr/>
+        <p:nvPr/>
+      </p:nvGrpSpPr>
+      <p:grpSpPr>
+        <a:xfrm>
+          <a:off x="0" y="0"/>
+          <a:ext cx="0" cy="0"/>
+          <a:chOff x="0" y="0"/>
+          <a:chExt cx="0" cy="0"/>
+        </a:xfrm>
+      </p:grpSpPr>
+      <p:sp>
+        <p:nvSpPr>
+          <p:cNvPr id="12" name="Retângulo 11">
+            <a:extLst>
+              <a:ext uri="{FF2B5EF4-FFF2-40B4-BE49-F238E27FC236}">
+                <a16:creationId xmlns:a16="http://schemas.microsoft.com/office/drawing/2014/main" id="{BAA68BD3-5013-4909-8D6A-68C7BAB24F6C}"/>
+              </a:ext>
+            </a:extLst>
+          </p:cNvPr>
+          <p:cNvSpPr/>
+          <p:nvPr/>
+        </p:nvSpPr>
+        <p:spPr>
+          <a:xfrm>
+            <a:off x="6937282" y="0"/>
+            <a:ext cx="5254717" cy="6858000"/>
+          </a:xfrm>
+          <a:prstGeom prst="rect">
+            <a:avLst/>
+          </a:prstGeom>
+          <a:solidFill>
+            <a:schemeClr val="tx1">
+              <a:lumMod val="85000"/>
+              <a:lumOff val="15000"/>
+            </a:schemeClr>
+          </a:solidFill>
+          <a:ln>
+            <a:noFill/>
+          </a:ln>
+        </p:spPr>
+        <p:style>
+          <a:lnRef idx="2">
+            <a:schemeClr val="accent1">
+              <a:shade val="50000"/>
+            </a:schemeClr>
+          </a:lnRef>
+          <a:fillRef idx="1">
+            <a:schemeClr val="accent1"/>
+          </a:fillRef>
+          <a:effectRef idx="0">
+            <a:schemeClr val="accent1"/>
+          </a:effectRef>
+          <a:fontRef idx="minor">
+            <a:schemeClr val="lt1"/>
+          </a:fontRef>
+        </p:style>
+        <p:txBody>
+          <a:bodyPr rtlCol="0" anchor="ctr"/>
+          <a:lstStyle/>
+          <a:p>
+            <a:pPr algn="ctr"/>
+            <a:endParaRPr lang="pt-BR" dirty="0"/>
+          </a:p>
+        </p:txBody>
+      </p:sp>
+      <p:sp>
+        <p:nvSpPr>
+          <p:cNvPr id="10" name="Retângulo: Cantos Arredondados 9">
+            <a:extLst>
+              <a:ext uri="{FF2B5EF4-FFF2-40B4-BE49-F238E27FC236}">
+                <a16:creationId xmlns:a16="http://schemas.microsoft.com/office/drawing/2014/main" id="{2A5EB968-8EA1-46DE-B19D-042CFCE1EF7F}"/>
+              </a:ext>
+            </a:extLst>
+          </p:cNvPr>
+          <p:cNvSpPr/>
+          <p:nvPr/>
+        </p:nvSpPr>
+        <p:spPr>
+          <a:xfrm>
+            <a:off x="7164389" y="267286"/>
+            <a:ext cx="4663464" cy="4936738"/>
+          </a:xfrm>
+          <a:prstGeom prst="roundRect">
+            <a:avLst>
+              <a:gd name="adj" fmla="val 3817"/>
+            </a:avLst>
+          </a:prstGeom>
+          <a:solidFill>
+            <a:schemeClr val="bg1"/>
+          </a:solidFill>
+          <a:ln>
+            <a:noFill/>
+          </a:ln>
+        </p:spPr>
+        <p:style>
+          <a:lnRef idx="2">
+            <a:schemeClr val="accent1">
+              <a:shade val="50000"/>
+            </a:schemeClr>
+          </a:lnRef>
+          <a:fillRef idx="1">
+            <a:schemeClr val="accent1"/>
+          </a:fillRef>
+          <a:effectRef idx="0">
+            <a:schemeClr val="accent1"/>
+          </a:effectRef>
+          <a:fontRef idx="minor">
+            <a:schemeClr val="lt1"/>
+          </a:fontRef>
+        </p:style>
+        <p:txBody>
+          <a:bodyPr rtlCol="0" anchor="ctr"/>
+          <a:lstStyle/>
+          <a:p>
+            <a:pPr algn="ctr"/>
+            <a:endParaRPr lang="pt-BR"/>
+          </a:p>
+        </p:txBody>
+      </p:sp>
+      <p:sp>
+        <p:nvSpPr>
+          <p:cNvPr id="13" name="Retângulo 12">
+            <a:extLst>
+              <a:ext uri="{FF2B5EF4-FFF2-40B4-BE49-F238E27FC236}">
+                <a16:creationId xmlns:a16="http://schemas.microsoft.com/office/drawing/2014/main" id="{E6A93A88-791B-4871-AC78-3096A4D6B750}"/>
+              </a:ext>
+            </a:extLst>
+          </p:cNvPr>
+          <p:cNvSpPr/>
+          <p:nvPr/>
+        </p:nvSpPr>
+        <p:spPr>
+          <a:xfrm>
+            <a:off x="1" y="-25772"/>
+            <a:ext cx="145360" cy="6883771"/>
+          </a:xfrm>
+          <a:prstGeom prst="rect">
+            <a:avLst/>
+          </a:prstGeom>
+          <a:solidFill>
+            <a:srgbClr val="D22D1C"/>
+          </a:solidFill>
+          <a:ln>
+            <a:noFill/>
+          </a:ln>
+        </p:spPr>
+        <p:style>
+          <a:lnRef idx="2">
+            <a:schemeClr val="accent1">
+              <a:shade val="50000"/>
+            </a:schemeClr>
+          </a:lnRef>
+          <a:fillRef idx="1">
+            <a:schemeClr val="accent1"/>
+          </a:fillRef>
+          <a:effectRef idx="0">
+            <a:schemeClr val="accent1"/>
+          </a:effectRef>
+          <a:fontRef idx="minor">
+            <a:schemeClr val="lt1"/>
+          </a:fontRef>
+        </p:style>
+        <p:txBody>
+          <a:bodyPr rtlCol="0" anchor="ctr"/>
+          <a:lstStyle/>
+          <a:p>
+            <a:pPr algn="ctr"/>
+            <a:endParaRPr lang="pt-BR" dirty="0"/>
+          </a:p>
+        </p:txBody>
+      </p:sp>
+      <p:sp>
+        <p:nvSpPr>
+          <p:cNvPr id="8" name="Retângulo 7">
+            <a:extLst>
+              <a:ext uri="{FF2B5EF4-FFF2-40B4-BE49-F238E27FC236}">
+                <a16:creationId xmlns:a16="http://schemas.microsoft.com/office/drawing/2014/main" id="{698F2A34-2F1D-4531-9765-CBA5DEBD2B4F}"/>
+              </a:ext>
+            </a:extLst>
+          </p:cNvPr>
+          <p:cNvSpPr/>
+          <p:nvPr/>
+        </p:nvSpPr>
+        <p:spPr>
+          <a:xfrm>
+            <a:off x="7169679" y="5554539"/>
+            <a:ext cx="4663465" cy="869918"/>
+          </a:xfrm>
+          <a:prstGeom prst="rect">
+            <a:avLst/>
+          </a:prstGeom>
+          <a:solidFill>
+            <a:srgbClr val="D22D1C"/>
+          </a:solidFill>
+          <a:ln>
+            <a:noFill/>
+          </a:ln>
+        </p:spPr>
+        <p:style>
+          <a:lnRef idx="2">
+            <a:schemeClr val="accent1">
+              <a:shade val="50000"/>
+            </a:schemeClr>
+          </a:lnRef>
+          <a:fillRef idx="1">
+            <a:schemeClr val="accent1"/>
+          </a:fillRef>
+          <a:effectRef idx="0">
+            <a:schemeClr val="accent1"/>
+          </a:effectRef>
+          <a:fontRef idx="minor">
+            <a:schemeClr val="lt1"/>
+          </a:fontRef>
+        </p:style>
+        <p:txBody>
+          <a:bodyPr rtlCol="0" anchor="ctr"/>
+          <a:lstStyle/>
+          <a:p>
+            <a:pPr algn="ctr"/>
+            <a:endParaRPr lang="pt-BR" dirty="0"/>
+          </a:p>
+        </p:txBody>
+      </p:sp>
+      <p:sp>
+        <p:nvSpPr>
+          <p:cNvPr id="4" name="Retângulo 3">
+            <a:extLst>
+              <a:ext uri="{FF2B5EF4-FFF2-40B4-BE49-F238E27FC236}">
+                <a16:creationId xmlns:a16="http://schemas.microsoft.com/office/drawing/2014/main" id="{DB7A2FCF-A34A-4573-B964-995AFEEC16FB}"/>
+              </a:ext>
+            </a:extLst>
+          </p:cNvPr>
+          <p:cNvSpPr/>
+          <p:nvPr/>
+        </p:nvSpPr>
+        <p:spPr>
+          <a:xfrm>
+            <a:off x="7268218" y="5554539"/>
+            <a:ext cx="4456774" cy="869918"/>
+          </a:xfrm>
+          <a:prstGeom prst="rect">
+            <a:avLst/>
+          </a:prstGeom>
+          <a:solidFill>
+            <a:schemeClr val="tx1">
+              <a:lumMod val="95000"/>
+              <a:lumOff val="5000"/>
+            </a:schemeClr>
+          </a:solidFill>
+          <a:ln>
+            <a:noFill/>
+          </a:ln>
+        </p:spPr>
+        <p:style>
+          <a:lnRef idx="2">
+            <a:schemeClr val="accent1">
+              <a:shade val="50000"/>
+            </a:schemeClr>
+          </a:lnRef>
+          <a:fillRef idx="1">
+            <a:schemeClr val="accent1"/>
+          </a:fillRef>
+          <a:effectRef idx="0">
+            <a:schemeClr val="accent1"/>
+          </a:effectRef>
+          <a:fontRef idx="minor">
+            <a:schemeClr val="lt1"/>
+          </a:fontRef>
+        </p:style>
+        <p:txBody>
+          <a:bodyPr rtlCol="0" anchor="ctr"/>
+          <a:lstStyle/>
+          <a:p>
+            <a:pPr algn="ctr"/>
+            <a:endParaRPr lang="pt-BR" dirty="0"/>
+          </a:p>
+        </p:txBody>
+      </p:sp>
+      <p:sp>
+        <p:nvSpPr>
+          <p:cNvPr id="5" name="CaixaDeTexto 4">
+            <a:extLst>
+              <a:ext uri="{FF2B5EF4-FFF2-40B4-BE49-F238E27FC236}">
+                <a16:creationId xmlns:a16="http://schemas.microsoft.com/office/drawing/2014/main" id="{4FEED3BC-5DB5-4222-B381-3EC4ED3E1488}"/>
+              </a:ext>
+            </a:extLst>
+          </p:cNvPr>
+          <p:cNvSpPr txBox="1"/>
+          <p:nvPr/>
+        </p:nvSpPr>
+        <p:spPr>
+          <a:xfrm>
+            <a:off x="6805534" y="5671732"/>
+            <a:ext cx="5791200" cy="646331"/>
+          </a:xfrm>
+          <a:prstGeom prst="rect">
+            <a:avLst/>
+          </a:prstGeom>
+          <a:noFill/>
+        </p:spPr>
+        <p:txBody>
+          <a:bodyPr wrap="square" rtlCol="0">
+            <a:spAutoFit/>
+          </a:bodyPr>
+          <a:lstStyle/>
+          <a:p>
+            <a:pPr algn="ctr"/>
+            <a:r>
+              <a:rPr lang="pt-BR" sz="3600" dirty="0">
+                <a:solidFill>
+                  <a:srgbClr val="D22D1C"/>
+                </a:solidFill>
+                <a:latin typeface="Arvo" panose="02000000000000000000" pitchFamily="2" charset="0"/>
+                <a:ea typeface="Adobe Gothic Std B" panose="020B0800000000000000" pitchFamily="34" charset="-128"/>
+              </a:rPr>
+              <a:t>TCP </a:t>
+            </a:r>
+            <a:r>
+              <a:rPr lang="pt-BR" sz="2400" dirty="0">
+                <a:solidFill>
+                  <a:schemeClr val="bg1"/>
+                </a:solidFill>
+                <a:latin typeface="Arvo" panose="02000000000000000000" pitchFamily="2" charset="0"/>
+                <a:ea typeface="Adobe Gothic Std B" panose="020B0800000000000000" pitchFamily="34" charset="-128"/>
+              </a:rPr>
+              <a:t>sem </a:t>
+            </a:r>
+            <a:r>
+              <a:rPr lang="pt-BR" sz="2400" dirty="0" err="1">
+                <a:solidFill>
+                  <a:schemeClr val="bg1"/>
+                </a:solidFill>
+                <a:latin typeface="Arvo" panose="02000000000000000000" pitchFamily="2" charset="0"/>
+                <a:ea typeface="Adobe Gothic Std B" panose="020B0800000000000000" pitchFamily="34" charset="-128"/>
+              </a:rPr>
+              <a:t>iperf</a:t>
+            </a:r>
+            <a:endParaRPr lang="pt-BR" sz="3600" dirty="0">
+              <a:solidFill>
+                <a:schemeClr val="bg1"/>
+              </a:solidFill>
+              <a:latin typeface="Arvo" panose="02000000000000000000" pitchFamily="2" charset="0"/>
+              <a:ea typeface="Adobe Gothic Std B" panose="020B0800000000000000" pitchFamily="34" charset="-128"/>
+            </a:endParaRPr>
+          </a:p>
+        </p:txBody>
+      </p:sp>
+      <p:grpSp>
+        <p:nvGrpSpPr>
+          <p:cNvPr id="6" name="Agrupar 5">
+            <a:extLst>
+              <a:ext uri="{FF2B5EF4-FFF2-40B4-BE49-F238E27FC236}">
+                <a16:creationId xmlns:a16="http://schemas.microsoft.com/office/drawing/2014/main" id="{678B4FC8-1CC2-4449-8882-CAD9CFD5BC2C}"/>
+              </a:ext>
+            </a:extLst>
+          </p:cNvPr>
+          <p:cNvGrpSpPr/>
+          <p:nvPr/>
+        </p:nvGrpSpPr>
+        <p:grpSpPr>
+          <a:xfrm>
+            <a:off x="7530981" y="558434"/>
+            <a:ext cx="4067318" cy="3369801"/>
+            <a:chOff x="7491457" y="835680"/>
+            <a:chExt cx="4067318" cy="3369801"/>
+          </a:xfrm>
+        </p:grpSpPr>
+        <p:pic>
+          <p:nvPicPr>
+            <p:cNvPr id="5122" name="Picture 2" descr="Resultado de imagem para laptop flat icon">
+              <a:extLst>
+                <a:ext uri="{FF2B5EF4-FFF2-40B4-BE49-F238E27FC236}">
+                  <a16:creationId xmlns:a16="http://schemas.microsoft.com/office/drawing/2014/main" id="{17BB4B90-75F4-400D-B8C8-88527E64CDC6}"/>
+                </a:ext>
+              </a:extLst>
+            </p:cNvPr>
+            <p:cNvPicPr>
+              <a:picLocks noChangeAspect="1" noChangeArrowheads="1"/>
+            </p:cNvPicPr>
+            <p:nvPr/>
+          </p:nvPicPr>
+          <p:blipFill>
+            <a:blip r:embed="rId2">
+              <a:extLst>
+                <a:ext uri="{28A0092B-C50C-407E-A947-70E740481C1C}">
+                  <a14:useLocalDpi xmlns:a14="http://schemas.microsoft.com/office/drawing/2010/main" val="0"/>
+                </a:ext>
+              </a:extLst>
+            </a:blip>
+            <a:srcRect/>
+            <a:stretch>
+              <a:fillRect/>
+            </a:stretch>
+          </p:blipFill>
+          <p:spPr bwMode="auto">
+            <a:xfrm flipH="1">
+              <a:off x="10273174" y="2872815"/>
+              <a:ext cx="1285601" cy="1285601"/>
+            </a:xfrm>
+            <a:prstGeom prst="rect">
+              <a:avLst/>
+            </a:prstGeom>
+            <a:noFill/>
+            <a:extLst>
+              <a:ext uri="{909E8E84-426E-40DD-AFC4-6F175D3DCCD1}">
+                <a14:hiddenFill xmlns:a14="http://schemas.microsoft.com/office/drawing/2010/main">
+                  <a:solidFill>
+                    <a:srgbClr val="FFFFFF"/>
+                  </a:solidFill>
+                </a14:hiddenFill>
+              </a:ext>
+            </a:extLst>
+          </p:spPr>
+        </p:pic>
+        <p:pic>
+          <p:nvPicPr>
+            <p:cNvPr id="5124" name="Picture 4" descr="Resultado de imagem para computer flat icon">
+              <a:extLst>
+                <a:ext uri="{FF2B5EF4-FFF2-40B4-BE49-F238E27FC236}">
+                  <a16:creationId xmlns:a16="http://schemas.microsoft.com/office/drawing/2014/main" id="{EFA8E51D-5406-442D-ADC3-B98F6BDCE62F}"/>
+                </a:ext>
+              </a:extLst>
+            </p:cNvPr>
+            <p:cNvPicPr>
+              <a:picLocks noChangeAspect="1" noChangeArrowheads="1"/>
+            </p:cNvPicPr>
+            <p:nvPr/>
+          </p:nvPicPr>
+          <p:blipFill>
+            <a:blip r:embed="rId3">
+              <a:extLst>
+                <a:ext uri="{28A0092B-C50C-407E-A947-70E740481C1C}">
+                  <a14:useLocalDpi xmlns:a14="http://schemas.microsoft.com/office/drawing/2010/main" val="0"/>
+                </a:ext>
+              </a:extLst>
+            </a:blip>
+            <a:srcRect/>
+            <a:stretch>
+              <a:fillRect/>
+            </a:stretch>
+          </p:blipFill>
+          <p:spPr bwMode="auto">
+            <a:xfrm>
+              <a:off x="7491457" y="2919880"/>
+              <a:ext cx="1285601" cy="1285601"/>
+            </a:xfrm>
+            <a:prstGeom prst="rect">
+              <a:avLst/>
+            </a:prstGeom>
+            <a:noFill/>
+            <a:extLst>
+              <a:ext uri="{909E8E84-426E-40DD-AFC4-6F175D3DCCD1}">
+                <a14:hiddenFill xmlns:a14="http://schemas.microsoft.com/office/drawing/2010/main">
+                  <a:solidFill>
+                    <a:srgbClr val="FFFFFF"/>
+                  </a:solidFill>
+                </a14:hiddenFill>
+              </a:ext>
+            </a:extLst>
+          </p:spPr>
+        </p:pic>
+        <p:pic>
+          <p:nvPicPr>
+            <p:cNvPr id="5126" name="Picture 6" descr="Resultado de imagem para router flat icon">
+              <a:extLst>
+                <a:ext uri="{FF2B5EF4-FFF2-40B4-BE49-F238E27FC236}">
+                  <a16:creationId xmlns:a16="http://schemas.microsoft.com/office/drawing/2014/main" id="{26267F5D-DA5B-4104-BD9B-00928A1C8BEB}"/>
+                </a:ext>
+              </a:extLst>
+            </p:cNvPr>
+            <p:cNvPicPr>
+              <a:picLocks noChangeAspect="1" noChangeArrowheads="1"/>
+            </p:cNvPicPr>
+            <p:nvPr/>
+          </p:nvPicPr>
+          <p:blipFill>
+            <a:blip r:embed="rId4">
+              <a:extLst>
+                <a:ext uri="{28A0092B-C50C-407E-A947-70E740481C1C}">
+                  <a14:useLocalDpi xmlns:a14="http://schemas.microsoft.com/office/drawing/2010/main" val="0"/>
+                </a:ext>
+              </a:extLst>
+            </a:blip>
+            <a:srcRect/>
+            <a:stretch>
+              <a:fillRect/>
+            </a:stretch>
+          </p:blipFill>
+          <p:spPr bwMode="auto">
+            <a:xfrm>
+              <a:off x="8872532" y="835680"/>
+              <a:ext cx="1124030" cy="1124030"/>
+            </a:xfrm>
+            <a:prstGeom prst="rect">
+              <a:avLst/>
+            </a:prstGeom>
+            <a:noFill/>
+            <a:extLst>
+              <a:ext uri="{909E8E84-426E-40DD-AFC4-6F175D3DCCD1}">
+                <a14:hiddenFill xmlns:a14="http://schemas.microsoft.com/office/drawing/2010/main">
+                  <a:solidFill>
+                    <a:srgbClr val="FFFFFF"/>
+                  </a:solidFill>
+                </a14:hiddenFill>
+              </a:ext>
+            </a:extLst>
+          </p:spPr>
+        </p:pic>
+        <p:pic>
+          <p:nvPicPr>
+            <p:cNvPr id="5128" name="Picture 8" descr="Resultado de imagem para wifi icon">
+              <a:extLst>
+                <a:ext uri="{FF2B5EF4-FFF2-40B4-BE49-F238E27FC236}">
+                  <a16:creationId xmlns:a16="http://schemas.microsoft.com/office/drawing/2014/main" id="{1E58B87A-9FE4-453A-B20A-642B993AB0C4}"/>
+                </a:ext>
+              </a:extLst>
+            </p:cNvPr>
+            <p:cNvPicPr>
+              <a:picLocks noChangeAspect="1" noChangeArrowheads="1"/>
+            </p:cNvPicPr>
+            <p:nvPr/>
+          </p:nvPicPr>
+          <p:blipFill>
+            <a:blip r:embed="rId5">
+              <a:duotone>
+                <a:schemeClr val="bg2">
+                  <a:shade val="45000"/>
+                  <a:satMod val="135000"/>
+                </a:schemeClr>
+                <a:prstClr val="white"/>
+              </a:duotone>
+              <a:extLst>
+                <a:ext uri="{28A0092B-C50C-407E-A947-70E740481C1C}">
+                  <a14:useLocalDpi xmlns:a14="http://schemas.microsoft.com/office/drawing/2010/main" val="0"/>
+                </a:ext>
+              </a:extLst>
+            </a:blip>
+            <a:srcRect/>
+            <a:stretch>
+              <a:fillRect/>
+            </a:stretch>
+          </p:blipFill>
+          <p:spPr bwMode="auto">
+            <a:xfrm flipH="1">
+              <a:off x="10015119" y="2240421"/>
+              <a:ext cx="516109" cy="426634"/>
+            </a:xfrm>
+            <a:prstGeom prst="rect">
+              <a:avLst/>
+            </a:prstGeom>
+            <a:noFill/>
+            <a:extLst>
+              <a:ext uri="{909E8E84-426E-40DD-AFC4-6F175D3DCCD1}">
+                <a14:hiddenFill xmlns:a14="http://schemas.microsoft.com/office/drawing/2010/main">
+                  <a:solidFill>
+                    <a:srgbClr val="FFFFFF"/>
+                  </a:solidFill>
+                </a14:hiddenFill>
+              </a:ext>
+            </a:extLst>
+          </p:spPr>
+        </p:pic>
+        <p:cxnSp>
+          <p:nvCxnSpPr>
+            <p:cNvPr id="7" name="Conector reto 6">
+              <a:extLst>
+                <a:ext uri="{FF2B5EF4-FFF2-40B4-BE49-F238E27FC236}">
+                  <a16:creationId xmlns:a16="http://schemas.microsoft.com/office/drawing/2014/main" id="{F206C490-A0CD-4CD6-A476-E8C1860EF5DF}"/>
+                </a:ext>
+              </a:extLst>
+            </p:cNvPr>
+            <p:cNvCxnSpPr>
+              <a:cxnSpLocks/>
+            </p:cNvCxnSpPr>
+            <p:nvPr/>
+          </p:nvCxnSpPr>
+          <p:spPr>
+            <a:xfrm flipV="1">
+              <a:off x="8445312" y="1959710"/>
+              <a:ext cx="591233" cy="853776"/>
+            </a:xfrm>
+            <a:prstGeom prst="line">
+              <a:avLst/>
+            </a:prstGeom>
+            <a:ln w="28575">
+              <a:solidFill>
+                <a:srgbClr val="EE2423"/>
+              </a:solidFill>
+            </a:ln>
+          </p:spPr>
+          <p:style>
+            <a:lnRef idx="1">
+              <a:schemeClr val="accent1"/>
+            </a:lnRef>
+            <a:fillRef idx="0">
+              <a:schemeClr val="accent1"/>
+            </a:fillRef>
+            <a:effectRef idx="0">
+              <a:schemeClr val="accent1"/>
+            </a:effectRef>
+            <a:fontRef idx="minor">
+              <a:schemeClr val="tx1"/>
+            </a:fontRef>
+          </p:style>
+        </p:cxnSp>
+      </p:grpSp>
+      <p:sp>
+        <p:nvSpPr>
+          <p:cNvPr id="16" name="CaixaDeTexto 15">
+            <a:extLst>
+              <a:ext uri="{FF2B5EF4-FFF2-40B4-BE49-F238E27FC236}">
+                <a16:creationId xmlns:a16="http://schemas.microsoft.com/office/drawing/2014/main" id="{4093CF7C-4112-45E4-9B61-57647468C23B}"/>
+              </a:ext>
+            </a:extLst>
+          </p:cNvPr>
+          <p:cNvSpPr txBox="1"/>
+          <p:nvPr/>
+        </p:nvSpPr>
+        <p:spPr>
+          <a:xfrm>
+            <a:off x="7919523" y="4045428"/>
+            <a:ext cx="3290234" cy="963149"/>
+          </a:xfrm>
+          <a:prstGeom prst="rect">
+            <a:avLst/>
+          </a:prstGeom>
+          <a:noFill/>
+        </p:spPr>
+        <p:txBody>
+          <a:bodyPr wrap="square" rtlCol="0">
+            <a:spAutoFit/>
+          </a:bodyPr>
+          <a:lstStyle/>
+          <a:p>
+            <a:pPr algn="ctr">
+              <a:lnSpc>
+                <a:spcPct val="150000"/>
+              </a:lnSpc>
+            </a:pPr>
+            <a:r>
+              <a:rPr lang="pt-BR" sz="2000" dirty="0">
+                <a:solidFill>
+                  <a:schemeClr val="tx1">
+                    <a:lumMod val="85000"/>
+                    <a:lumOff val="15000"/>
+                  </a:schemeClr>
+                </a:solidFill>
+                <a:latin typeface="Arvo" panose="02000000000000000000" pitchFamily="2" charset="0"/>
+                <a:ea typeface="Adobe Gothic Std B" panose="020B0800000000000000" pitchFamily="34" charset="-128"/>
+              </a:rPr>
+              <a:t>136 segundos </a:t>
+            </a:r>
+          </a:p>
+          <a:p>
+            <a:pPr algn="ctr">
+              <a:lnSpc>
+                <a:spcPct val="150000"/>
+              </a:lnSpc>
+            </a:pPr>
+            <a:r>
+              <a:rPr lang="pt-BR" sz="2000" dirty="0">
+                <a:solidFill>
+                  <a:schemeClr val="tx1">
+                    <a:lumMod val="85000"/>
+                    <a:lumOff val="15000"/>
+                  </a:schemeClr>
+                </a:solidFill>
+                <a:latin typeface="Arvo" panose="02000000000000000000" pitchFamily="2" charset="0"/>
+                <a:ea typeface="Adobe Gothic Std B" panose="020B0800000000000000" pitchFamily="34" charset="-128"/>
+              </a:rPr>
+              <a:t>100.000 pacotes</a:t>
+            </a:r>
+          </a:p>
+        </p:txBody>
+      </p:sp>
+      <p:pic>
+        <p:nvPicPr>
+          <p:cNvPr id="9" name="Imagem 8">
+            <a:extLst>
+              <a:ext uri="{FF2B5EF4-FFF2-40B4-BE49-F238E27FC236}">
+                <a16:creationId xmlns:a16="http://schemas.microsoft.com/office/drawing/2014/main" id="{6C6E6ABE-412F-4C6A-8361-F04643B2B84B}"/>
+              </a:ext>
+            </a:extLst>
+          </p:cNvPr>
+          <p:cNvPicPr>
+            <a:picLocks noChangeAspect="1"/>
+          </p:cNvPicPr>
+          <p:nvPr/>
+        </p:nvPicPr>
+        <p:blipFill rotWithShape="1">
+          <a:blip r:embed="rId6"/>
+          <a:srcRect l="13405" t="12922" r="15117" b="8734"/>
+          <a:stretch/>
+        </p:blipFill>
+        <p:spPr>
+          <a:xfrm>
+            <a:off x="152925" y="435277"/>
+            <a:ext cx="6776792" cy="5961672"/>
+          </a:xfrm>
+          <a:prstGeom prst="rect">
+            <a:avLst/>
+          </a:prstGeom>
+        </p:spPr>
+      </p:pic>
+    </p:spTree>
+    <p:extLst>
+      <p:ext uri="{BB962C8B-B14F-4D97-AF65-F5344CB8AC3E}">
+        <p14:creationId xmlns:p14="http://schemas.microsoft.com/office/powerpoint/2010/main" val="1153438854"/>
+      </p:ext>
+    </p:extLst>
+  </p:cSld>
+  <p:clrMapOvr>
+    <a:masterClrMapping/>
+  </p:clrMapOvr>
+</p:sld>
+</file>
+
+<file path=ppt/slides/slide14.xml><?xml version="1.0" encoding="utf-8"?>
+<p:sld xmlns:a="http://schemas.openxmlformats.org/drawingml/2006/main" xmlns:r="http://schemas.openxmlformats.org/officeDocument/2006/relationships" xmlns:p="http://schemas.openxmlformats.org/presentationml/2006/main">
+  <p:cSld>
+    <p:spTree>
+      <p:nvGrpSpPr>
+        <p:cNvPr id="1" name=""/>
+        <p:cNvGrpSpPr/>
+        <p:nvPr/>
+      </p:nvGrpSpPr>
+      <p:grpSpPr>
+        <a:xfrm>
+          <a:off x="0" y="0"/>
+          <a:ext cx="0" cy="0"/>
+          <a:chOff x="0" y="0"/>
+          <a:chExt cx="0" cy="0"/>
+        </a:xfrm>
+      </p:grpSpPr>
+      <p:sp>
+        <p:nvSpPr>
+          <p:cNvPr id="12" name="Retângulo 11">
+            <a:extLst>
+              <a:ext uri="{FF2B5EF4-FFF2-40B4-BE49-F238E27FC236}">
+                <a16:creationId xmlns:a16="http://schemas.microsoft.com/office/drawing/2014/main" id="{BAA68BD3-5013-4909-8D6A-68C7BAB24F6C}"/>
+              </a:ext>
+            </a:extLst>
+          </p:cNvPr>
+          <p:cNvSpPr/>
+          <p:nvPr/>
+        </p:nvSpPr>
+        <p:spPr>
+          <a:xfrm>
+            <a:off x="6937282" y="0"/>
+            <a:ext cx="5254717" cy="6858000"/>
+          </a:xfrm>
+          <a:prstGeom prst="rect">
+            <a:avLst/>
+          </a:prstGeom>
+          <a:solidFill>
+            <a:schemeClr val="tx1">
+              <a:lumMod val="85000"/>
+              <a:lumOff val="15000"/>
+            </a:schemeClr>
+          </a:solidFill>
+          <a:ln>
+            <a:noFill/>
+          </a:ln>
+        </p:spPr>
+        <p:style>
+          <a:lnRef idx="2">
+            <a:schemeClr val="accent1">
+              <a:shade val="50000"/>
+            </a:schemeClr>
+          </a:lnRef>
+          <a:fillRef idx="1">
+            <a:schemeClr val="accent1"/>
+          </a:fillRef>
+          <a:effectRef idx="0">
+            <a:schemeClr val="accent1"/>
+          </a:effectRef>
+          <a:fontRef idx="minor">
+            <a:schemeClr val="lt1"/>
+          </a:fontRef>
+        </p:style>
+        <p:txBody>
+          <a:bodyPr rtlCol="0" anchor="ctr"/>
+          <a:lstStyle/>
+          <a:p>
+            <a:pPr algn="ctr"/>
+            <a:endParaRPr lang="pt-BR" dirty="0"/>
+          </a:p>
+        </p:txBody>
+      </p:sp>
+      <p:sp>
+        <p:nvSpPr>
+          <p:cNvPr id="10" name="Retângulo: Cantos Arredondados 9">
+            <a:extLst>
+              <a:ext uri="{FF2B5EF4-FFF2-40B4-BE49-F238E27FC236}">
+                <a16:creationId xmlns:a16="http://schemas.microsoft.com/office/drawing/2014/main" id="{2A5EB968-8EA1-46DE-B19D-042CFCE1EF7F}"/>
+              </a:ext>
+            </a:extLst>
+          </p:cNvPr>
+          <p:cNvSpPr/>
+          <p:nvPr/>
+        </p:nvSpPr>
+        <p:spPr>
+          <a:xfrm>
+            <a:off x="7164389" y="267286"/>
+            <a:ext cx="4663464" cy="4936738"/>
+          </a:xfrm>
+          <a:prstGeom prst="roundRect">
+            <a:avLst>
+              <a:gd name="adj" fmla="val 3817"/>
+            </a:avLst>
+          </a:prstGeom>
+          <a:solidFill>
+            <a:schemeClr val="bg1"/>
+          </a:solidFill>
+          <a:ln>
+            <a:noFill/>
+          </a:ln>
+        </p:spPr>
+        <p:style>
+          <a:lnRef idx="2">
+            <a:schemeClr val="accent1">
+              <a:shade val="50000"/>
+            </a:schemeClr>
+          </a:lnRef>
+          <a:fillRef idx="1">
+            <a:schemeClr val="accent1"/>
+          </a:fillRef>
+          <a:effectRef idx="0">
+            <a:schemeClr val="accent1"/>
+          </a:effectRef>
+          <a:fontRef idx="minor">
+            <a:schemeClr val="lt1"/>
+          </a:fontRef>
+        </p:style>
+        <p:txBody>
+          <a:bodyPr rtlCol="0" anchor="ctr"/>
+          <a:lstStyle/>
+          <a:p>
+            <a:pPr algn="ctr"/>
+            <a:endParaRPr lang="pt-BR"/>
+          </a:p>
+        </p:txBody>
+      </p:sp>
+      <p:sp>
+        <p:nvSpPr>
+          <p:cNvPr id="13" name="Retângulo 12">
+            <a:extLst>
+              <a:ext uri="{FF2B5EF4-FFF2-40B4-BE49-F238E27FC236}">
+                <a16:creationId xmlns:a16="http://schemas.microsoft.com/office/drawing/2014/main" id="{E6A93A88-791B-4871-AC78-3096A4D6B750}"/>
+              </a:ext>
+            </a:extLst>
+          </p:cNvPr>
+          <p:cNvSpPr/>
+          <p:nvPr/>
+        </p:nvSpPr>
+        <p:spPr>
+          <a:xfrm>
+            <a:off x="1" y="-25772"/>
+            <a:ext cx="145360" cy="6883771"/>
+          </a:xfrm>
+          <a:prstGeom prst="rect">
+            <a:avLst/>
+          </a:prstGeom>
+          <a:solidFill>
+            <a:srgbClr val="D22D1C"/>
+          </a:solidFill>
+          <a:ln>
+            <a:noFill/>
+          </a:ln>
+        </p:spPr>
+        <p:style>
+          <a:lnRef idx="2">
+            <a:schemeClr val="accent1">
+              <a:shade val="50000"/>
+            </a:schemeClr>
+          </a:lnRef>
+          <a:fillRef idx="1">
+            <a:schemeClr val="accent1"/>
+          </a:fillRef>
+          <a:effectRef idx="0">
+            <a:schemeClr val="accent1"/>
+          </a:effectRef>
+          <a:fontRef idx="minor">
+            <a:schemeClr val="lt1"/>
+          </a:fontRef>
+        </p:style>
+        <p:txBody>
+          <a:bodyPr rtlCol="0" anchor="ctr"/>
+          <a:lstStyle/>
+          <a:p>
+            <a:pPr algn="ctr"/>
+            <a:endParaRPr lang="pt-BR" dirty="0"/>
+          </a:p>
+        </p:txBody>
+      </p:sp>
+      <p:sp>
+        <p:nvSpPr>
+          <p:cNvPr id="8" name="Retângulo 7">
+            <a:extLst>
+              <a:ext uri="{FF2B5EF4-FFF2-40B4-BE49-F238E27FC236}">
+                <a16:creationId xmlns:a16="http://schemas.microsoft.com/office/drawing/2014/main" id="{698F2A34-2F1D-4531-9765-CBA5DEBD2B4F}"/>
+              </a:ext>
+            </a:extLst>
+          </p:cNvPr>
+          <p:cNvSpPr/>
+          <p:nvPr/>
+        </p:nvSpPr>
+        <p:spPr>
+          <a:xfrm>
+            <a:off x="7169679" y="5554539"/>
+            <a:ext cx="4663465" cy="869918"/>
+          </a:xfrm>
+          <a:prstGeom prst="rect">
+            <a:avLst/>
+          </a:prstGeom>
+          <a:solidFill>
+            <a:srgbClr val="D22D1C"/>
+          </a:solidFill>
+          <a:ln>
+            <a:noFill/>
+          </a:ln>
+        </p:spPr>
+        <p:style>
+          <a:lnRef idx="2">
+            <a:schemeClr val="accent1">
+              <a:shade val="50000"/>
+            </a:schemeClr>
+          </a:lnRef>
+          <a:fillRef idx="1">
+            <a:schemeClr val="accent1"/>
+          </a:fillRef>
+          <a:effectRef idx="0">
+            <a:schemeClr val="accent1"/>
+          </a:effectRef>
+          <a:fontRef idx="minor">
+            <a:schemeClr val="lt1"/>
+          </a:fontRef>
+        </p:style>
+        <p:txBody>
+          <a:bodyPr rtlCol="0" anchor="ctr"/>
+          <a:lstStyle/>
+          <a:p>
+            <a:pPr algn="ctr"/>
+            <a:endParaRPr lang="pt-BR" dirty="0"/>
+          </a:p>
+        </p:txBody>
+      </p:sp>
+      <p:sp>
+        <p:nvSpPr>
+          <p:cNvPr id="4" name="Retângulo 3">
+            <a:extLst>
+              <a:ext uri="{FF2B5EF4-FFF2-40B4-BE49-F238E27FC236}">
+                <a16:creationId xmlns:a16="http://schemas.microsoft.com/office/drawing/2014/main" id="{DB7A2FCF-A34A-4573-B964-995AFEEC16FB}"/>
+              </a:ext>
+            </a:extLst>
+          </p:cNvPr>
+          <p:cNvSpPr/>
+          <p:nvPr/>
+        </p:nvSpPr>
+        <p:spPr>
+          <a:xfrm>
+            <a:off x="7268218" y="5554539"/>
+            <a:ext cx="4456774" cy="869918"/>
+          </a:xfrm>
+          <a:prstGeom prst="rect">
+            <a:avLst/>
+          </a:prstGeom>
+          <a:solidFill>
+            <a:schemeClr val="tx1">
+              <a:lumMod val="95000"/>
+              <a:lumOff val="5000"/>
+            </a:schemeClr>
+          </a:solidFill>
+          <a:ln>
+            <a:noFill/>
+          </a:ln>
+        </p:spPr>
+        <p:style>
+          <a:lnRef idx="2">
+            <a:schemeClr val="accent1">
+              <a:shade val="50000"/>
+            </a:schemeClr>
+          </a:lnRef>
+          <a:fillRef idx="1">
+            <a:schemeClr val="accent1"/>
+          </a:fillRef>
+          <a:effectRef idx="0">
+            <a:schemeClr val="accent1"/>
+          </a:effectRef>
+          <a:fontRef idx="minor">
+            <a:schemeClr val="lt1"/>
+          </a:fontRef>
+        </p:style>
+        <p:txBody>
+          <a:bodyPr rtlCol="0" anchor="ctr"/>
+          <a:lstStyle/>
+          <a:p>
+            <a:pPr algn="ctr"/>
+            <a:endParaRPr lang="pt-BR" dirty="0"/>
+          </a:p>
+        </p:txBody>
+      </p:sp>
+      <p:sp>
+        <p:nvSpPr>
+          <p:cNvPr id="5" name="CaixaDeTexto 4">
+            <a:extLst>
+              <a:ext uri="{FF2B5EF4-FFF2-40B4-BE49-F238E27FC236}">
+                <a16:creationId xmlns:a16="http://schemas.microsoft.com/office/drawing/2014/main" id="{4FEED3BC-5DB5-4222-B381-3EC4ED3E1488}"/>
+              </a:ext>
+            </a:extLst>
+          </p:cNvPr>
+          <p:cNvSpPr txBox="1"/>
+          <p:nvPr/>
+        </p:nvSpPr>
+        <p:spPr>
+          <a:xfrm>
+            <a:off x="6805534" y="5671732"/>
+            <a:ext cx="5791200" cy="646331"/>
+          </a:xfrm>
+          <a:prstGeom prst="rect">
+            <a:avLst/>
+          </a:prstGeom>
+          <a:noFill/>
+        </p:spPr>
+        <p:txBody>
+          <a:bodyPr wrap="square" rtlCol="0">
+            <a:spAutoFit/>
+          </a:bodyPr>
+          <a:lstStyle/>
+          <a:p>
+            <a:pPr algn="ctr"/>
+            <a:r>
+              <a:rPr lang="pt-BR" sz="3600" dirty="0">
+                <a:solidFill>
+                  <a:srgbClr val="D22D1C"/>
+                </a:solidFill>
+                <a:latin typeface="Arvo" panose="02000000000000000000" pitchFamily="2" charset="0"/>
+                <a:ea typeface="Adobe Gothic Std B" panose="020B0800000000000000" pitchFamily="34" charset="-128"/>
+              </a:rPr>
+              <a:t>TCP </a:t>
+            </a:r>
+            <a:r>
+              <a:rPr lang="pt-BR" sz="2400" dirty="0">
+                <a:solidFill>
+                  <a:schemeClr val="bg1"/>
+                </a:solidFill>
+                <a:latin typeface="Arvo" panose="02000000000000000000" pitchFamily="2" charset="0"/>
+                <a:ea typeface="Adobe Gothic Std B" panose="020B0800000000000000" pitchFamily="34" charset="-128"/>
+              </a:rPr>
+              <a:t>sem </a:t>
+            </a:r>
+            <a:r>
+              <a:rPr lang="pt-BR" sz="2400" dirty="0" err="1">
+                <a:solidFill>
+                  <a:schemeClr val="bg1"/>
+                </a:solidFill>
+                <a:latin typeface="Arvo" panose="02000000000000000000" pitchFamily="2" charset="0"/>
+                <a:ea typeface="Adobe Gothic Std B" panose="020B0800000000000000" pitchFamily="34" charset="-128"/>
+              </a:rPr>
+              <a:t>iperf</a:t>
+            </a:r>
+            <a:endParaRPr lang="pt-BR" sz="3600" dirty="0">
+              <a:solidFill>
+                <a:schemeClr val="bg1"/>
+              </a:solidFill>
+              <a:latin typeface="Arvo" panose="02000000000000000000" pitchFamily="2" charset="0"/>
+              <a:ea typeface="Adobe Gothic Std B" panose="020B0800000000000000" pitchFamily="34" charset="-128"/>
+            </a:endParaRPr>
+          </a:p>
+        </p:txBody>
+      </p:sp>
+      <p:grpSp>
+        <p:nvGrpSpPr>
+          <p:cNvPr id="6" name="Agrupar 5">
+            <a:extLst>
+              <a:ext uri="{FF2B5EF4-FFF2-40B4-BE49-F238E27FC236}">
+                <a16:creationId xmlns:a16="http://schemas.microsoft.com/office/drawing/2014/main" id="{678B4FC8-1CC2-4449-8882-CAD9CFD5BC2C}"/>
+              </a:ext>
+            </a:extLst>
+          </p:cNvPr>
+          <p:cNvGrpSpPr/>
+          <p:nvPr/>
+        </p:nvGrpSpPr>
+        <p:grpSpPr>
+          <a:xfrm>
+            <a:off x="7530981" y="558434"/>
+            <a:ext cx="4067318" cy="3369801"/>
+            <a:chOff x="7491457" y="835680"/>
+            <a:chExt cx="4067318" cy="3369801"/>
+          </a:xfrm>
+        </p:grpSpPr>
+        <p:pic>
+          <p:nvPicPr>
+            <p:cNvPr id="5122" name="Picture 2" descr="Resultado de imagem para laptop flat icon">
+              <a:extLst>
+                <a:ext uri="{FF2B5EF4-FFF2-40B4-BE49-F238E27FC236}">
+                  <a16:creationId xmlns:a16="http://schemas.microsoft.com/office/drawing/2014/main" id="{17BB4B90-75F4-400D-B8C8-88527E64CDC6}"/>
+                </a:ext>
+              </a:extLst>
+            </p:cNvPr>
+            <p:cNvPicPr>
+              <a:picLocks noChangeAspect="1" noChangeArrowheads="1"/>
+            </p:cNvPicPr>
+            <p:nvPr/>
+          </p:nvPicPr>
+          <p:blipFill>
+            <a:blip r:embed="rId2">
+              <a:extLst>
+                <a:ext uri="{28A0092B-C50C-407E-A947-70E740481C1C}">
+                  <a14:useLocalDpi xmlns:a14="http://schemas.microsoft.com/office/drawing/2010/main" val="0"/>
+                </a:ext>
+              </a:extLst>
+            </a:blip>
+            <a:srcRect/>
+            <a:stretch>
+              <a:fillRect/>
+            </a:stretch>
+          </p:blipFill>
+          <p:spPr bwMode="auto">
+            <a:xfrm flipH="1">
+              <a:off x="10273174" y="2872815"/>
+              <a:ext cx="1285601" cy="1285601"/>
+            </a:xfrm>
+            <a:prstGeom prst="rect">
+              <a:avLst/>
+            </a:prstGeom>
+            <a:noFill/>
+            <a:extLst>
+              <a:ext uri="{909E8E84-426E-40DD-AFC4-6F175D3DCCD1}">
+                <a14:hiddenFill xmlns:a14="http://schemas.microsoft.com/office/drawing/2010/main">
+                  <a:solidFill>
+                    <a:srgbClr val="FFFFFF"/>
+                  </a:solidFill>
+                </a14:hiddenFill>
+              </a:ext>
+            </a:extLst>
+          </p:spPr>
+        </p:pic>
+        <p:pic>
+          <p:nvPicPr>
+            <p:cNvPr id="5124" name="Picture 4" descr="Resultado de imagem para computer flat icon">
+              <a:extLst>
+                <a:ext uri="{FF2B5EF4-FFF2-40B4-BE49-F238E27FC236}">
+                  <a16:creationId xmlns:a16="http://schemas.microsoft.com/office/drawing/2014/main" id="{EFA8E51D-5406-442D-ADC3-B98F6BDCE62F}"/>
+                </a:ext>
+              </a:extLst>
+            </p:cNvPr>
+            <p:cNvPicPr>
+              <a:picLocks noChangeAspect="1" noChangeArrowheads="1"/>
+            </p:cNvPicPr>
+            <p:nvPr/>
+          </p:nvPicPr>
+          <p:blipFill>
+            <a:blip r:embed="rId3">
+              <a:extLst>
+                <a:ext uri="{28A0092B-C50C-407E-A947-70E740481C1C}">
+                  <a14:useLocalDpi xmlns:a14="http://schemas.microsoft.com/office/drawing/2010/main" val="0"/>
+                </a:ext>
+              </a:extLst>
+            </a:blip>
+            <a:srcRect/>
+            <a:stretch>
+              <a:fillRect/>
+            </a:stretch>
+          </p:blipFill>
+          <p:spPr bwMode="auto">
+            <a:xfrm>
+              <a:off x="7491457" y="2919880"/>
+              <a:ext cx="1285601" cy="1285601"/>
+            </a:xfrm>
+            <a:prstGeom prst="rect">
+              <a:avLst/>
+            </a:prstGeom>
+            <a:noFill/>
+            <a:extLst>
+              <a:ext uri="{909E8E84-426E-40DD-AFC4-6F175D3DCCD1}">
+                <a14:hiddenFill xmlns:a14="http://schemas.microsoft.com/office/drawing/2010/main">
+                  <a:solidFill>
+                    <a:srgbClr val="FFFFFF"/>
+                  </a:solidFill>
+                </a14:hiddenFill>
+              </a:ext>
+            </a:extLst>
+          </p:spPr>
+        </p:pic>
+        <p:pic>
+          <p:nvPicPr>
+            <p:cNvPr id="5126" name="Picture 6" descr="Resultado de imagem para router flat icon">
+              <a:extLst>
+                <a:ext uri="{FF2B5EF4-FFF2-40B4-BE49-F238E27FC236}">
+                  <a16:creationId xmlns:a16="http://schemas.microsoft.com/office/drawing/2014/main" id="{26267F5D-DA5B-4104-BD9B-00928A1C8BEB}"/>
+                </a:ext>
+              </a:extLst>
+            </p:cNvPr>
+            <p:cNvPicPr>
+              <a:picLocks noChangeAspect="1" noChangeArrowheads="1"/>
+            </p:cNvPicPr>
+            <p:nvPr/>
+          </p:nvPicPr>
+          <p:blipFill>
+            <a:blip r:embed="rId4">
+              <a:extLst>
+                <a:ext uri="{28A0092B-C50C-407E-A947-70E740481C1C}">
+                  <a14:useLocalDpi xmlns:a14="http://schemas.microsoft.com/office/drawing/2010/main" val="0"/>
+                </a:ext>
+              </a:extLst>
+            </a:blip>
+            <a:srcRect/>
+            <a:stretch>
+              <a:fillRect/>
+            </a:stretch>
+          </p:blipFill>
+          <p:spPr bwMode="auto">
+            <a:xfrm>
+              <a:off x="8872532" y="835680"/>
+              <a:ext cx="1124030" cy="1124030"/>
+            </a:xfrm>
+            <a:prstGeom prst="rect">
+              <a:avLst/>
+            </a:prstGeom>
+            <a:noFill/>
+            <a:extLst>
+              <a:ext uri="{909E8E84-426E-40DD-AFC4-6F175D3DCCD1}">
+                <a14:hiddenFill xmlns:a14="http://schemas.microsoft.com/office/drawing/2010/main">
+                  <a:solidFill>
+                    <a:srgbClr val="FFFFFF"/>
+                  </a:solidFill>
+                </a14:hiddenFill>
+              </a:ext>
+            </a:extLst>
+          </p:spPr>
+        </p:pic>
+        <p:pic>
+          <p:nvPicPr>
+            <p:cNvPr id="5128" name="Picture 8" descr="Resultado de imagem para wifi icon">
+              <a:extLst>
+                <a:ext uri="{FF2B5EF4-FFF2-40B4-BE49-F238E27FC236}">
+                  <a16:creationId xmlns:a16="http://schemas.microsoft.com/office/drawing/2014/main" id="{1E58B87A-9FE4-453A-B20A-642B993AB0C4}"/>
+                </a:ext>
+              </a:extLst>
+            </p:cNvPr>
+            <p:cNvPicPr>
+              <a:picLocks noChangeAspect="1" noChangeArrowheads="1"/>
+            </p:cNvPicPr>
+            <p:nvPr/>
+          </p:nvPicPr>
+          <p:blipFill>
+            <a:blip r:embed="rId5">
+              <a:duotone>
+                <a:schemeClr val="bg2">
+                  <a:shade val="45000"/>
+                  <a:satMod val="135000"/>
+                </a:schemeClr>
+                <a:prstClr val="white"/>
+              </a:duotone>
+              <a:extLst>
+                <a:ext uri="{28A0092B-C50C-407E-A947-70E740481C1C}">
+                  <a14:useLocalDpi xmlns:a14="http://schemas.microsoft.com/office/drawing/2010/main" val="0"/>
+                </a:ext>
+              </a:extLst>
+            </a:blip>
+            <a:srcRect/>
+            <a:stretch>
+              <a:fillRect/>
+            </a:stretch>
+          </p:blipFill>
+          <p:spPr bwMode="auto">
+            <a:xfrm flipH="1">
+              <a:off x="10015119" y="2240421"/>
+              <a:ext cx="516109" cy="426634"/>
+            </a:xfrm>
+            <a:prstGeom prst="rect">
+              <a:avLst/>
+            </a:prstGeom>
+            <a:noFill/>
+            <a:extLst>
+              <a:ext uri="{909E8E84-426E-40DD-AFC4-6F175D3DCCD1}">
+                <a14:hiddenFill xmlns:a14="http://schemas.microsoft.com/office/drawing/2010/main">
+                  <a:solidFill>
+                    <a:srgbClr val="FFFFFF"/>
+                  </a:solidFill>
+                </a14:hiddenFill>
+              </a:ext>
+            </a:extLst>
+          </p:spPr>
+        </p:pic>
+        <p:cxnSp>
+          <p:nvCxnSpPr>
+            <p:cNvPr id="7" name="Conector reto 6">
+              <a:extLst>
+                <a:ext uri="{FF2B5EF4-FFF2-40B4-BE49-F238E27FC236}">
+                  <a16:creationId xmlns:a16="http://schemas.microsoft.com/office/drawing/2014/main" id="{F206C490-A0CD-4CD6-A476-E8C1860EF5DF}"/>
+                </a:ext>
+              </a:extLst>
+            </p:cNvPr>
+            <p:cNvCxnSpPr>
+              <a:cxnSpLocks/>
+            </p:cNvCxnSpPr>
+            <p:nvPr/>
+          </p:nvCxnSpPr>
+          <p:spPr>
+            <a:xfrm flipV="1">
+              <a:off x="8445312" y="1959710"/>
+              <a:ext cx="591233" cy="853776"/>
+            </a:xfrm>
+            <a:prstGeom prst="line">
+              <a:avLst/>
+            </a:prstGeom>
+            <a:ln w="28575">
+              <a:solidFill>
+                <a:srgbClr val="EE2423"/>
+              </a:solidFill>
+            </a:ln>
+          </p:spPr>
+          <p:style>
+            <a:lnRef idx="1">
+              <a:schemeClr val="accent1"/>
+            </a:lnRef>
+            <a:fillRef idx="0">
+              <a:schemeClr val="accent1"/>
+            </a:fillRef>
+            <a:effectRef idx="0">
+              <a:schemeClr val="accent1"/>
+            </a:effectRef>
+            <a:fontRef idx="minor">
+              <a:schemeClr val="tx1"/>
+            </a:fontRef>
+          </p:style>
+        </p:cxnSp>
+      </p:grpSp>
+      <p:sp>
+        <p:nvSpPr>
+          <p:cNvPr id="16" name="CaixaDeTexto 15">
+            <a:extLst>
+              <a:ext uri="{FF2B5EF4-FFF2-40B4-BE49-F238E27FC236}">
+                <a16:creationId xmlns:a16="http://schemas.microsoft.com/office/drawing/2014/main" id="{4093CF7C-4112-45E4-9B61-57647468C23B}"/>
+              </a:ext>
+            </a:extLst>
+          </p:cNvPr>
+          <p:cNvSpPr txBox="1"/>
+          <p:nvPr/>
+        </p:nvSpPr>
+        <p:spPr>
+          <a:xfrm>
+            <a:off x="7919523" y="4045428"/>
+            <a:ext cx="3290234" cy="963149"/>
+          </a:xfrm>
+          <a:prstGeom prst="rect">
+            <a:avLst/>
+          </a:prstGeom>
+          <a:noFill/>
+        </p:spPr>
+        <p:txBody>
+          <a:bodyPr wrap="square" rtlCol="0">
+            <a:spAutoFit/>
+          </a:bodyPr>
+          <a:lstStyle/>
+          <a:p>
+            <a:pPr algn="ctr">
+              <a:lnSpc>
+                <a:spcPct val="150000"/>
+              </a:lnSpc>
+            </a:pPr>
+            <a:r>
+              <a:rPr lang="pt-BR" sz="2000" dirty="0">
+                <a:solidFill>
+                  <a:schemeClr val="tx1">
+                    <a:lumMod val="85000"/>
+                    <a:lumOff val="15000"/>
+                  </a:schemeClr>
+                </a:solidFill>
+                <a:latin typeface="Arvo" panose="02000000000000000000" pitchFamily="2" charset="0"/>
+                <a:ea typeface="Adobe Gothic Std B" panose="020B0800000000000000" pitchFamily="34" charset="-128"/>
+              </a:rPr>
+              <a:t>129 segundos </a:t>
+            </a:r>
+          </a:p>
+          <a:p>
+            <a:pPr algn="ctr">
+              <a:lnSpc>
+                <a:spcPct val="150000"/>
+              </a:lnSpc>
+            </a:pPr>
+            <a:r>
+              <a:rPr lang="pt-BR" sz="2000" dirty="0">
+                <a:solidFill>
+                  <a:schemeClr val="tx1">
+                    <a:lumMod val="85000"/>
+                    <a:lumOff val="15000"/>
+                  </a:schemeClr>
+                </a:solidFill>
+                <a:latin typeface="Arvo" panose="02000000000000000000" pitchFamily="2" charset="0"/>
+                <a:ea typeface="Adobe Gothic Std B" panose="020B0800000000000000" pitchFamily="34" charset="-128"/>
+              </a:rPr>
+              <a:t>100.000 pacotes</a:t>
+            </a:r>
+          </a:p>
+        </p:txBody>
+      </p:sp>
+      <p:pic>
+        <p:nvPicPr>
+          <p:cNvPr id="2" name="Imagem 1">
+            <a:extLst>
+              <a:ext uri="{FF2B5EF4-FFF2-40B4-BE49-F238E27FC236}">
+                <a16:creationId xmlns:a16="http://schemas.microsoft.com/office/drawing/2014/main" id="{DAFC5228-ACB2-4713-9427-A721CDC9DAC4}"/>
+              </a:ext>
+            </a:extLst>
+          </p:cNvPr>
+          <p:cNvPicPr>
+            <a:picLocks noChangeAspect="1"/>
+          </p:cNvPicPr>
+          <p:nvPr/>
+        </p:nvPicPr>
+        <p:blipFill rotWithShape="1">
+          <a:blip r:embed="rId6"/>
+          <a:srcRect l="11027" t="12241" r="15530" b="8142"/>
+          <a:stretch/>
+        </p:blipFill>
+        <p:spPr>
+          <a:xfrm>
+            <a:off x="184144" y="686054"/>
+            <a:ext cx="6668985" cy="5460118"/>
+          </a:xfrm>
+          <a:prstGeom prst="rect">
+            <a:avLst/>
+          </a:prstGeom>
+        </p:spPr>
+      </p:pic>
+      <p:sp>
+        <p:nvSpPr>
+          <p:cNvPr id="17" name="CaixaDeTexto 16">
+            <a:extLst>
+              <a:ext uri="{FF2B5EF4-FFF2-40B4-BE49-F238E27FC236}">
+                <a16:creationId xmlns:a16="http://schemas.microsoft.com/office/drawing/2014/main" id="{7D9C6F95-CCB1-4859-9D52-93CB50F3DEEF}"/>
+              </a:ext>
+            </a:extLst>
+          </p:cNvPr>
+          <p:cNvSpPr txBox="1"/>
+          <p:nvPr/>
+        </p:nvSpPr>
+        <p:spPr>
+          <a:xfrm>
+            <a:off x="485601" y="301732"/>
+            <a:ext cx="5791200" cy="369332"/>
+          </a:xfrm>
+          <a:prstGeom prst="rect">
+            <a:avLst/>
+          </a:prstGeom>
+          <a:noFill/>
+        </p:spPr>
+        <p:txBody>
+          <a:bodyPr wrap="square" rtlCol="0">
+            <a:spAutoFit/>
+          </a:bodyPr>
+          <a:lstStyle/>
+          <a:p>
+            <a:pPr algn="ctr"/>
+            <a:r>
+              <a:rPr lang="pt-BR" dirty="0">
+                <a:solidFill>
+                  <a:srgbClr val="D22D1C"/>
+                </a:solidFill>
+                <a:latin typeface="Arvo" panose="02000000000000000000" pitchFamily="2" charset="0"/>
+                <a:ea typeface="Adobe Gothic Std B" panose="020B0800000000000000" pitchFamily="34" charset="-128"/>
+              </a:rPr>
+              <a:t>Timer Ilimitado</a:t>
+            </a:r>
+            <a:endParaRPr lang="pt-BR" dirty="0">
+              <a:solidFill>
+                <a:schemeClr val="bg1"/>
+              </a:solidFill>
+              <a:latin typeface="Arvo" panose="02000000000000000000" pitchFamily="2" charset="0"/>
+              <a:ea typeface="Adobe Gothic Std B" panose="020B0800000000000000" pitchFamily="34" charset="-128"/>
+            </a:endParaRPr>
+          </a:p>
+        </p:txBody>
+      </p:sp>
+    </p:spTree>
+    <p:extLst>
+      <p:ext uri="{BB962C8B-B14F-4D97-AF65-F5344CB8AC3E}">
+        <p14:creationId xmlns:p14="http://schemas.microsoft.com/office/powerpoint/2010/main" val="4178218663"/>
+      </p:ext>
+    </p:extLst>
+  </p:cSld>
+  <p:clrMapOvr>
+    <a:masterClrMapping/>
+  </p:clrMapOvr>
+</p:sld>
+</file>
+
+<file path=ppt/slides/slide15.xml><?xml version="1.0" encoding="utf-8"?>
+<p:sld xmlns:a="http://schemas.openxmlformats.org/drawingml/2006/main" xmlns:r="http://schemas.openxmlformats.org/officeDocument/2006/relationships" xmlns:p="http://schemas.openxmlformats.org/presentationml/2006/main">
+  <p:cSld>
+    <p:spTree>
+      <p:nvGrpSpPr>
+        <p:cNvPr id="1" name=""/>
+        <p:cNvGrpSpPr/>
+        <p:nvPr/>
+      </p:nvGrpSpPr>
+      <p:grpSpPr>
+        <a:xfrm>
+          <a:off x="0" y="0"/>
+          <a:ext cx="0" cy="0"/>
+          <a:chOff x="0" y="0"/>
+          <a:chExt cx="0" cy="0"/>
+        </a:xfrm>
+      </p:grpSpPr>
+      <p:sp>
+        <p:nvSpPr>
+          <p:cNvPr id="12" name="Retângulo 11">
+            <a:extLst>
+              <a:ext uri="{FF2B5EF4-FFF2-40B4-BE49-F238E27FC236}">
+                <a16:creationId xmlns:a16="http://schemas.microsoft.com/office/drawing/2014/main" id="{BAA68BD3-5013-4909-8D6A-68C7BAB24F6C}"/>
+              </a:ext>
+            </a:extLst>
+          </p:cNvPr>
+          <p:cNvSpPr/>
+          <p:nvPr/>
+        </p:nvSpPr>
+        <p:spPr>
+          <a:xfrm>
+            <a:off x="0" y="0"/>
+            <a:ext cx="12191999" cy="6858000"/>
+          </a:xfrm>
+          <a:prstGeom prst="rect">
+            <a:avLst/>
+          </a:prstGeom>
+          <a:solidFill>
+            <a:schemeClr val="tx1">
+              <a:lumMod val="85000"/>
+              <a:lumOff val="15000"/>
+            </a:schemeClr>
+          </a:solidFill>
+          <a:ln>
+            <a:noFill/>
+          </a:ln>
+        </p:spPr>
+        <p:style>
+          <a:lnRef idx="2">
+            <a:schemeClr val="accent1">
+              <a:shade val="50000"/>
+            </a:schemeClr>
+          </a:lnRef>
+          <a:fillRef idx="1">
+            <a:schemeClr val="accent1"/>
+          </a:fillRef>
+          <a:effectRef idx="0">
+            <a:schemeClr val="accent1"/>
+          </a:effectRef>
+          <a:fontRef idx="minor">
+            <a:schemeClr val="lt1"/>
+          </a:fontRef>
+        </p:style>
+        <p:txBody>
+          <a:bodyPr rtlCol="0" anchor="ctr"/>
+          <a:lstStyle/>
+          <a:p>
+            <a:pPr algn="ctr"/>
+            <a:endParaRPr lang="pt-BR" dirty="0"/>
+          </a:p>
+        </p:txBody>
+      </p:sp>
+      <p:sp>
+        <p:nvSpPr>
+          <p:cNvPr id="10" name="Retângulo: Cantos Arredondados 9">
+            <a:extLst>
+              <a:ext uri="{FF2B5EF4-FFF2-40B4-BE49-F238E27FC236}">
+                <a16:creationId xmlns:a16="http://schemas.microsoft.com/office/drawing/2014/main" id="{2A5EB968-8EA1-46DE-B19D-042CFCE1EF7F}"/>
+              </a:ext>
+            </a:extLst>
+          </p:cNvPr>
+          <p:cNvSpPr/>
+          <p:nvPr/>
+        </p:nvSpPr>
+        <p:spPr>
+          <a:xfrm>
+            <a:off x="1181723" y="1242479"/>
+            <a:ext cx="9828552" cy="5249334"/>
+          </a:xfrm>
+          <a:prstGeom prst="roundRect">
+            <a:avLst>
+              <a:gd name="adj" fmla="val 3817"/>
+            </a:avLst>
+          </a:prstGeom>
+          <a:solidFill>
+            <a:schemeClr val="bg1"/>
+          </a:solidFill>
+          <a:ln>
+            <a:noFill/>
+          </a:ln>
+        </p:spPr>
+        <p:style>
+          <a:lnRef idx="2">
+            <a:schemeClr val="accent1">
+              <a:shade val="50000"/>
+            </a:schemeClr>
+          </a:lnRef>
+          <a:fillRef idx="1">
+            <a:schemeClr val="accent1"/>
+          </a:fillRef>
+          <a:effectRef idx="0">
+            <a:schemeClr val="accent1"/>
+          </a:effectRef>
+          <a:fontRef idx="minor">
+            <a:schemeClr val="lt1"/>
+          </a:fontRef>
+        </p:style>
+        <p:txBody>
+          <a:bodyPr rtlCol="0" anchor="ctr"/>
+          <a:lstStyle/>
+          <a:p>
+            <a:pPr algn="ctr"/>
+            <a:endParaRPr lang="pt-BR"/>
+          </a:p>
+        </p:txBody>
+      </p:sp>
+      <p:sp>
+        <p:nvSpPr>
+          <p:cNvPr id="13" name="Retângulo 12">
+            <a:extLst>
+              <a:ext uri="{FF2B5EF4-FFF2-40B4-BE49-F238E27FC236}">
+                <a16:creationId xmlns:a16="http://schemas.microsoft.com/office/drawing/2014/main" id="{E6A93A88-791B-4871-AC78-3096A4D6B750}"/>
+              </a:ext>
+            </a:extLst>
+          </p:cNvPr>
+          <p:cNvSpPr/>
+          <p:nvPr/>
+        </p:nvSpPr>
+        <p:spPr>
+          <a:xfrm>
+            <a:off x="0" y="-25772"/>
+            <a:ext cx="164963" cy="6883771"/>
+          </a:xfrm>
+          <a:prstGeom prst="rect">
+            <a:avLst/>
+          </a:prstGeom>
+          <a:solidFill>
+            <a:srgbClr val="D22D1C"/>
+          </a:solidFill>
+          <a:ln>
+            <a:noFill/>
+          </a:ln>
+        </p:spPr>
+        <p:style>
+          <a:lnRef idx="2">
+            <a:schemeClr val="accent1">
+              <a:shade val="50000"/>
+            </a:schemeClr>
+          </a:lnRef>
+          <a:fillRef idx="1">
+            <a:schemeClr val="accent1"/>
+          </a:fillRef>
+          <a:effectRef idx="0">
+            <a:schemeClr val="accent1"/>
+          </a:effectRef>
+          <a:fontRef idx="minor">
+            <a:schemeClr val="lt1"/>
+          </a:fontRef>
+        </p:style>
+        <p:txBody>
+          <a:bodyPr rtlCol="0" anchor="ctr"/>
+          <a:lstStyle/>
+          <a:p>
+            <a:pPr algn="ctr"/>
+            <a:endParaRPr lang="pt-BR" dirty="0"/>
+          </a:p>
+        </p:txBody>
+      </p:sp>
+      <p:sp>
+        <p:nvSpPr>
+          <p:cNvPr id="8" name="Retângulo 7">
+            <a:extLst>
+              <a:ext uri="{FF2B5EF4-FFF2-40B4-BE49-F238E27FC236}">
+                <a16:creationId xmlns:a16="http://schemas.microsoft.com/office/drawing/2014/main" id="{698F2A34-2F1D-4531-9765-CBA5DEBD2B4F}"/>
+              </a:ext>
+            </a:extLst>
+          </p:cNvPr>
+          <p:cNvSpPr/>
+          <p:nvPr/>
+        </p:nvSpPr>
+        <p:spPr>
+          <a:xfrm>
+            <a:off x="2710374" y="157455"/>
+            <a:ext cx="6771249" cy="952947"/>
+          </a:xfrm>
+          <a:prstGeom prst="rect">
+            <a:avLst/>
+          </a:prstGeom>
+          <a:solidFill>
+            <a:srgbClr val="D22D1C"/>
+          </a:solidFill>
+          <a:ln>
+            <a:noFill/>
+          </a:ln>
+        </p:spPr>
+        <p:style>
+          <a:lnRef idx="2">
+            <a:schemeClr val="accent1">
+              <a:shade val="50000"/>
+            </a:schemeClr>
+          </a:lnRef>
+          <a:fillRef idx="1">
+            <a:schemeClr val="accent1"/>
+          </a:fillRef>
+          <a:effectRef idx="0">
+            <a:schemeClr val="accent1"/>
+          </a:effectRef>
+          <a:fontRef idx="minor">
+            <a:schemeClr val="lt1"/>
+          </a:fontRef>
+        </p:style>
+        <p:txBody>
+          <a:bodyPr rtlCol="0" anchor="ctr"/>
+          <a:lstStyle/>
+          <a:p>
+            <a:pPr algn="ctr"/>
+            <a:endParaRPr lang="pt-BR" dirty="0"/>
+          </a:p>
+        </p:txBody>
+      </p:sp>
+      <p:sp>
+        <p:nvSpPr>
+          <p:cNvPr id="4" name="Retângulo 3">
+            <a:extLst>
+              <a:ext uri="{FF2B5EF4-FFF2-40B4-BE49-F238E27FC236}">
+                <a16:creationId xmlns:a16="http://schemas.microsoft.com/office/drawing/2014/main" id="{DB7A2FCF-A34A-4573-B964-995AFEEC16FB}"/>
+              </a:ext>
+            </a:extLst>
+          </p:cNvPr>
+          <p:cNvSpPr/>
+          <p:nvPr/>
+        </p:nvSpPr>
+        <p:spPr>
+          <a:xfrm>
+            <a:off x="2860429" y="157455"/>
+            <a:ext cx="6471138" cy="952947"/>
+          </a:xfrm>
+          <a:prstGeom prst="rect">
+            <a:avLst/>
+          </a:prstGeom>
+          <a:solidFill>
+            <a:schemeClr val="tx1">
+              <a:lumMod val="95000"/>
+              <a:lumOff val="5000"/>
+            </a:schemeClr>
+          </a:solidFill>
+          <a:ln>
+            <a:noFill/>
+          </a:ln>
+        </p:spPr>
+        <p:style>
+          <a:lnRef idx="2">
+            <a:schemeClr val="accent1">
+              <a:shade val="50000"/>
+            </a:schemeClr>
+          </a:lnRef>
+          <a:fillRef idx="1">
+            <a:schemeClr val="accent1"/>
+          </a:fillRef>
+          <a:effectRef idx="0">
+            <a:schemeClr val="accent1"/>
+          </a:effectRef>
+          <a:fontRef idx="minor">
+            <a:schemeClr val="lt1"/>
+          </a:fontRef>
+        </p:style>
+        <p:txBody>
+          <a:bodyPr rtlCol="0" anchor="ctr"/>
+          <a:lstStyle/>
+          <a:p>
+            <a:pPr algn="ctr"/>
+            <a:endParaRPr lang="pt-BR" dirty="0"/>
+          </a:p>
+        </p:txBody>
+      </p:sp>
+      <p:sp>
+        <p:nvSpPr>
+          <p:cNvPr id="5" name="CaixaDeTexto 4">
+            <a:extLst>
+              <a:ext uri="{FF2B5EF4-FFF2-40B4-BE49-F238E27FC236}">
+                <a16:creationId xmlns:a16="http://schemas.microsoft.com/office/drawing/2014/main" id="{4FEED3BC-5DB5-4222-B381-3EC4ED3E1488}"/>
+              </a:ext>
+            </a:extLst>
+          </p:cNvPr>
+          <p:cNvSpPr txBox="1"/>
+          <p:nvPr/>
+        </p:nvSpPr>
+        <p:spPr>
+          <a:xfrm>
+            <a:off x="3200398" y="257932"/>
+            <a:ext cx="5791200" cy="769441"/>
+          </a:xfrm>
+          <a:prstGeom prst="rect">
+            <a:avLst/>
+          </a:prstGeom>
+          <a:noFill/>
+        </p:spPr>
+        <p:txBody>
+          <a:bodyPr wrap="square" rtlCol="0">
+            <a:spAutoFit/>
+          </a:bodyPr>
+          <a:lstStyle/>
+          <a:p>
+            <a:pPr algn="ctr"/>
+            <a:r>
+              <a:rPr lang="pt-BR" sz="4400" dirty="0">
+                <a:solidFill>
+                  <a:srgbClr val="D22D1C"/>
+                </a:solidFill>
+                <a:latin typeface="Arvo" panose="02000000000000000000" pitchFamily="2" charset="0"/>
+                <a:ea typeface="Adobe Gothic Std B" panose="020B0800000000000000" pitchFamily="34" charset="-128"/>
+              </a:rPr>
+              <a:t>TCP </a:t>
+            </a:r>
+            <a:r>
+              <a:rPr lang="pt-BR" sz="3200" dirty="0">
+                <a:solidFill>
+                  <a:schemeClr val="bg1"/>
+                </a:solidFill>
+                <a:latin typeface="Arvo" panose="02000000000000000000" pitchFamily="2" charset="0"/>
+                <a:ea typeface="Adobe Gothic Std B" panose="020B0800000000000000" pitchFamily="34" charset="-128"/>
+              </a:rPr>
+              <a:t>com </a:t>
+            </a:r>
+            <a:r>
+              <a:rPr lang="pt-BR" sz="3200" dirty="0" err="1">
+                <a:solidFill>
+                  <a:schemeClr val="bg1"/>
+                </a:solidFill>
+                <a:latin typeface="Arvo" panose="02000000000000000000" pitchFamily="2" charset="0"/>
+                <a:ea typeface="Adobe Gothic Std B" panose="020B0800000000000000" pitchFamily="34" charset="-128"/>
+              </a:rPr>
+              <a:t>iperf</a:t>
+            </a:r>
+            <a:endParaRPr lang="pt-BR" sz="4400" dirty="0">
+              <a:solidFill>
+                <a:schemeClr val="bg1"/>
+              </a:solidFill>
+              <a:latin typeface="Arvo" panose="02000000000000000000" pitchFamily="2" charset="0"/>
+              <a:ea typeface="Adobe Gothic Std B" panose="020B0800000000000000" pitchFamily="34" charset="-128"/>
+            </a:endParaRPr>
+          </a:p>
+        </p:txBody>
+      </p:sp>
+      <p:pic>
+        <p:nvPicPr>
+          <p:cNvPr id="2" name="Imagem 1">
+            <a:extLst>
+              <a:ext uri="{FF2B5EF4-FFF2-40B4-BE49-F238E27FC236}">
+                <a16:creationId xmlns:a16="http://schemas.microsoft.com/office/drawing/2014/main" id="{9324F110-EF25-458D-9B26-F635EC8E4530}"/>
+              </a:ext>
+            </a:extLst>
+          </p:cNvPr>
+          <p:cNvPicPr>
+            <a:picLocks noChangeAspect="1"/>
+          </p:cNvPicPr>
+          <p:nvPr/>
+        </p:nvPicPr>
+        <p:blipFill rotWithShape="1">
+          <a:blip r:embed="rId2"/>
+          <a:srcRect l="12929" t="12777" r="16119" b="68306"/>
+          <a:stretch/>
+        </p:blipFill>
+        <p:spPr>
+          <a:xfrm>
+            <a:off x="1178483" y="1828800"/>
+            <a:ext cx="9756780" cy="1560764"/>
+          </a:xfrm>
+          <a:prstGeom prst="rect">
+            <a:avLst/>
+          </a:prstGeom>
+        </p:spPr>
+      </p:pic>
+      <p:pic>
+        <p:nvPicPr>
+          <p:cNvPr id="7" name="Imagem 6">
+            <a:extLst>
+              <a:ext uri="{FF2B5EF4-FFF2-40B4-BE49-F238E27FC236}">
+                <a16:creationId xmlns:a16="http://schemas.microsoft.com/office/drawing/2014/main" id="{D0D63524-33D8-4C10-A926-4744ECF5742A}"/>
+              </a:ext>
+            </a:extLst>
+          </p:cNvPr>
+          <p:cNvPicPr>
+            <a:picLocks noChangeAspect="1"/>
+          </p:cNvPicPr>
+          <p:nvPr/>
+        </p:nvPicPr>
+        <p:blipFill rotWithShape="1">
+          <a:blip r:embed="rId3"/>
+          <a:srcRect l="23290" t="27978" r="27205" b="40765"/>
+          <a:stretch/>
+        </p:blipFill>
+        <p:spPr>
+          <a:xfrm>
+            <a:off x="1371944" y="3291413"/>
+            <a:ext cx="9128373" cy="2860413"/>
+          </a:xfrm>
+          <a:prstGeom prst="rect">
+            <a:avLst/>
+          </a:prstGeom>
+        </p:spPr>
+      </p:pic>
+    </p:spTree>
+    <p:extLst>
+      <p:ext uri="{BB962C8B-B14F-4D97-AF65-F5344CB8AC3E}">
+        <p14:creationId xmlns:p14="http://schemas.microsoft.com/office/powerpoint/2010/main" val="2176205896"/>
+      </p:ext>
+    </p:extLst>
+  </p:cSld>
+  <p:clrMapOvr>
+    <a:masterClrMapping/>
+  </p:clrMapOvr>
+</p:sld>
+</file>
+
+<file path=ppt/slides/slide16.xml><?xml version="1.0" encoding="utf-8"?>
+<p:sld xmlns:a="http://schemas.openxmlformats.org/drawingml/2006/main" xmlns:r="http://schemas.openxmlformats.org/officeDocument/2006/relationships" xmlns:p="http://schemas.openxmlformats.org/presentationml/2006/main">
+  <p:cSld>
+    <p:spTree>
+      <p:nvGrpSpPr>
+        <p:cNvPr id="1" name=""/>
+        <p:cNvGrpSpPr/>
+        <p:nvPr/>
+      </p:nvGrpSpPr>
+      <p:grpSpPr>
+        <a:xfrm>
+          <a:off x="0" y="0"/>
+          <a:ext cx="0" cy="0"/>
+          <a:chOff x="0" y="0"/>
+          <a:chExt cx="0" cy="0"/>
+        </a:xfrm>
+      </p:grpSpPr>
+      <p:sp>
+        <p:nvSpPr>
+          <p:cNvPr id="12" name="Retângulo 11">
+            <a:extLst>
+              <a:ext uri="{FF2B5EF4-FFF2-40B4-BE49-F238E27FC236}">
+                <a16:creationId xmlns:a16="http://schemas.microsoft.com/office/drawing/2014/main" id="{BAA68BD3-5013-4909-8D6A-68C7BAB24F6C}"/>
+              </a:ext>
+            </a:extLst>
+          </p:cNvPr>
+          <p:cNvSpPr/>
+          <p:nvPr/>
+        </p:nvSpPr>
+        <p:spPr>
+          <a:xfrm>
+            <a:off x="9049676" y="0"/>
+            <a:ext cx="3142323" cy="6858000"/>
+          </a:xfrm>
+          <a:prstGeom prst="rect">
+            <a:avLst/>
+          </a:prstGeom>
+          <a:solidFill>
+            <a:schemeClr val="tx1">
+              <a:lumMod val="85000"/>
+              <a:lumOff val="15000"/>
+            </a:schemeClr>
+          </a:solidFill>
+          <a:ln>
+            <a:noFill/>
+          </a:ln>
+        </p:spPr>
+        <p:style>
+          <a:lnRef idx="2">
+            <a:schemeClr val="accent1">
+              <a:shade val="50000"/>
+            </a:schemeClr>
+          </a:lnRef>
+          <a:fillRef idx="1">
+            <a:schemeClr val="accent1"/>
+          </a:fillRef>
+          <a:effectRef idx="0">
+            <a:schemeClr val="accent1"/>
+          </a:effectRef>
+          <a:fontRef idx="minor">
+            <a:schemeClr val="lt1"/>
+          </a:fontRef>
+        </p:style>
+        <p:txBody>
+          <a:bodyPr rtlCol="0" anchor="ctr"/>
+          <a:lstStyle/>
+          <a:p>
+            <a:pPr algn="ctr"/>
+            <a:endParaRPr lang="pt-BR" dirty="0"/>
+          </a:p>
+        </p:txBody>
+      </p:sp>
+      <p:sp>
+        <p:nvSpPr>
+          <p:cNvPr id="13" name="Retângulo 12">
+            <a:extLst>
+              <a:ext uri="{FF2B5EF4-FFF2-40B4-BE49-F238E27FC236}">
+                <a16:creationId xmlns:a16="http://schemas.microsoft.com/office/drawing/2014/main" id="{E6A93A88-791B-4871-AC78-3096A4D6B750}"/>
+              </a:ext>
+            </a:extLst>
+          </p:cNvPr>
+          <p:cNvSpPr/>
+          <p:nvPr/>
+        </p:nvSpPr>
+        <p:spPr>
+          <a:xfrm>
+            <a:off x="1" y="-25772"/>
+            <a:ext cx="145360" cy="6883771"/>
+          </a:xfrm>
+          <a:prstGeom prst="rect">
+            <a:avLst/>
+          </a:prstGeom>
+          <a:solidFill>
+            <a:srgbClr val="D22D1C"/>
+          </a:solidFill>
+          <a:ln>
+            <a:noFill/>
+          </a:ln>
+        </p:spPr>
+        <p:style>
+          <a:lnRef idx="2">
+            <a:schemeClr val="accent1">
+              <a:shade val="50000"/>
+            </a:schemeClr>
+          </a:lnRef>
+          <a:fillRef idx="1">
+            <a:schemeClr val="accent1"/>
+          </a:fillRef>
+          <a:effectRef idx="0">
+            <a:schemeClr val="accent1"/>
+          </a:effectRef>
+          <a:fontRef idx="minor">
+            <a:schemeClr val="lt1"/>
+          </a:fontRef>
+        </p:style>
+        <p:txBody>
+          <a:bodyPr rtlCol="0" anchor="ctr"/>
+          <a:lstStyle/>
+          <a:p>
+            <a:pPr algn="ctr"/>
+            <a:endParaRPr lang="pt-BR" dirty="0"/>
+          </a:p>
+        </p:txBody>
+      </p:sp>
+      <p:pic>
+        <p:nvPicPr>
+          <p:cNvPr id="2" name="Imagem 1">
+            <a:extLst>
+              <a:ext uri="{FF2B5EF4-FFF2-40B4-BE49-F238E27FC236}">
+                <a16:creationId xmlns:a16="http://schemas.microsoft.com/office/drawing/2014/main" id="{D3D8D297-EA00-4F1C-BBD4-4B090B589A88}"/>
+              </a:ext>
+            </a:extLst>
+          </p:cNvPr>
+          <p:cNvPicPr>
+            <a:picLocks noChangeAspect="1"/>
+          </p:cNvPicPr>
+          <p:nvPr/>
+        </p:nvPicPr>
+        <p:blipFill rotWithShape="1">
+          <a:blip r:embed="rId2"/>
+          <a:srcRect l="12307" t="12178" r="16282" b="9571"/>
+          <a:stretch/>
+        </p:blipFill>
+        <p:spPr>
+          <a:xfrm>
+            <a:off x="555589" y="112473"/>
+            <a:ext cx="7973813" cy="6633054"/>
+          </a:xfrm>
+          <a:prstGeom prst="rect">
+            <a:avLst/>
+          </a:prstGeom>
+        </p:spPr>
+      </p:pic>
+      <p:sp>
+        <p:nvSpPr>
+          <p:cNvPr id="17" name="Retângulo: Cantos Arredondados 16">
+            <a:extLst>
+              <a:ext uri="{FF2B5EF4-FFF2-40B4-BE49-F238E27FC236}">
+                <a16:creationId xmlns:a16="http://schemas.microsoft.com/office/drawing/2014/main" id="{D143BD18-8FC4-495A-B36C-C540357A1C53}"/>
+              </a:ext>
+            </a:extLst>
+          </p:cNvPr>
+          <p:cNvSpPr/>
+          <p:nvPr/>
+        </p:nvSpPr>
+        <p:spPr>
+          <a:xfrm>
+            <a:off x="9308891" y="653871"/>
+            <a:ext cx="2578308" cy="4393290"/>
+          </a:xfrm>
+          <a:prstGeom prst="roundRect">
+            <a:avLst>
+              <a:gd name="adj" fmla="val 3817"/>
+            </a:avLst>
+          </a:prstGeom>
+          <a:solidFill>
+            <a:schemeClr val="bg1"/>
+          </a:solidFill>
+          <a:ln>
+            <a:noFill/>
+          </a:ln>
+        </p:spPr>
+        <p:style>
+          <a:lnRef idx="2">
+            <a:schemeClr val="accent1">
+              <a:shade val="50000"/>
+            </a:schemeClr>
+          </a:lnRef>
+          <a:fillRef idx="1">
+            <a:schemeClr val="accent1"/>
+          </a:fillRef>
+          <a:effectRef idx="0">
+            <a:schemeClr val="accent1"/>
+          </a:effectRef>
+          <a:fontRef idx="minor">
+            <a:schemeClr val="lt1"/>
+          </a:fontRef>
+        </p:style>
+        <p:txBody>
+          <a:bodyPr rtlCol="0" anchor="ctr"/>
+          <a:lstStyle/>
+          <a:p>
+            <a:pPr algn="ctr"/>
+            <a:r>
+              <a:rPr lang="fr-FR" sz="2400" dirty="0">
+                <a:solidFill>
+                  <a:schemeClr val="tx1">
+                    <a:lumMod val="85000"/>
+                    <a:lumOff val="15000"/>
+                  </a:schemeClr>
+                </a:solidFill>
+                <a:latin typeface="Arvo" panose="02000000000000000000" pitchFamily="2" charset="0"/>
+                <a:cs typeface="Courier New" panose="02070309020205020404" pitchFamily="49" charset="0"/>
+              </a:rPr>
+              <a:t>iperf3.exe </a:t>
+            </a:r>
+          </a:p>
+          <a:p>
+            <a:pPr algn="ctr"/>
+            <a:r>
+              <a:rPr lang="fr-FR" sz="2400" dirty="0">
+                <a:solidFill>
+                  <a:schemeClr val="tx1">
+                    <a:lumMod val="85000"/>
+                    <a:lumOff val="15000"/>
+                  </a:schemeClr>
+                </a:solidFill>
+                <a:latin typeface="Arvo" panose="02000000000000000000" pitchFamily="2" charset="0"/>
+                <a:cs typeface="Courier New" panose="02070309020205020404" pitchFamily="49" charset="0"/>
+              </a:rPr>
+              <a:t>-f M </a:t>
+            </a:r>
+          </a:p>
+          <a:p>
+            <a:pPr algn="ctr"/>
+            <a:r>
+              <a:rPr lang="fr-FR" sz="2400" dirty="0">
+                <a:solidFill>
+                  <a:schemeClr val="tx1">
+                    <a:lumMod val="85000"/>
+                    <a:lumOff val="15000"/>
+                  </a:schemeClr>
+                </a:solidFill>
+                <a:latin typeface="Arvo" panose="02000000000000000000" pitchFamily="2" charset="0"/>
+                <a:cs typeface="Courier New" panose="02070309020205020404" pitchFamily="49" charset="0"/>
+              </a:rPr>
+              <a:t>-i 0.1 </a:t>
+            </a:r>
+          </a:p>
+          <a:p>
+            <a:pPr algn="ctr"/>
+            <a:r>
+              <a:rPr lang="fr-FR" sz="2400" dirty="0">
+                <a:solidFill>
+                  <a:schemeClr val="tx1">
+                    <a:lumMod val="85000"/>
+                    <a:lumOff val="15000"/>
+                  </a:schemeClr>
+                </a:solidFill>
+                <a:latin typeface="Arvo" panose="02000000000000000000" pitchFamily="2" charset="0"/>
+                <a:cs typeface="Courier New" panose="02070309020205020404" pitchFamily="49" charset="0"/>
+              </a:rPr>
+              <a:t>-t 40 </a:t>
+            </a:r>
+          </a:p>
+          <a:p>
+            <a:pPr algn="ctr"/>
+            <a:r>
+              <a:rPr lang="fr-FR" sz="2400" u="sng" dirty="0">
+                <a:solidFill>
+                  <a:schemeClr val="tx1">
+                    <a:lumMod val="85000"/>
+                    <a:lumOff val="15000"/>
+                  </a:schemeClr>
+                </a:solidFill>
+                <a:latin typeface="Arvo" panose="02000000000000000000" pitchFamily="2" charset="0"/>
+                <a:cs typeface="Courier New" panose="02070309020205020404" pitchFamily="49" charset="0"/>
+              </a:rPr>
+              <a:t>-c &lt;IP&gt;</a:t>
+            </a:r>
+          </a:p>
+          <a:p>
+            <a:pPr algn="ctr"/>
+            <a:r>
+              <a:rPr lang="fr-FR" sz="2400" dirty="0">
+                <a:solidFill>
+                  <a:schemeClr val="tx1">
+                    <a:lumMod val="85000"/>
+                    <a:lumOff val="15000"/>
+                  </a:schemeClr>
+                </a:solidFill>
+                <a:latin typeface="Arvo" panose="02000000000000000000" pitchFamily="2" charset="0"/>
+                <a:cs typeface="Courier New" panose="02070309020205020404" pitchFamily="49" charset="0"/>
+              </a:rPr>
+              <a:t>-p 9010</a:t>
+            </a:r>
+          </a:p>
+          <a:p>
+            <a:pPr algn="ctr"/>
+            <a:endParaRPr lang="fr-FR" sz="2800" dirty="0">
+              <a:solidFill>
+                <a:schemeClr val="tx1"/>
+              </a:solidFill>
+              <a:latin typeface="Courier New" panose="02070309020205020404" pitchFamily="49" charset="0"/>
+              <a:cs typeface="Courier New" panose="02070309020205020404" pitchFamily="49" charset="0"/>
+            </a:endParaRPr>
+          </a:p>
+          <a:p>
+            <a:pPr algn="ctr"/>
+            <a:endParaRPr lang="pt-BR" sz="2800" dirty="0">
+              <a:solidFill>
+                <a:schemeClr val="tx1"/>
+              </a:solidFill>
+              <a:latin typeface="Courier New" panose="02070309020205020404" pitchFamily="49" charset="0"/>
+              <a:cs typeface="Courier New" panose="02070309020205020404" pitchFamily="49" charset="0"/>
+            </a:endParaRPr>
+          </a:p>
+        </p:txBody>
+      </p:sp>
+      <p:sp>
+        <p:nvSpPr>
+          <p:cNvPr id="18" name="Retângulo 17">
+            <a:extLst>
+              <a:ext uri="{FF2B5EF4-FFF2-40B4-BE49-F238E27FC236}">
+                <a16:creationId xmlns:a16="http://schemas.microsoft.com/office/drawing/2014/main" id="{6971103A-E718-492D-96D0-D1960C5079F2}"/>
+              </a:ext>
+            </a:extLst>
+          </p:cNvPr>
+          <p:cNvSpPr/>
+          <p:nvPr/>
+        </p:nvSpPr>
+        <p:spPr>
+          <a:xfrm>
+            <a:off x="9049676" y="5425369"/>
+            <a:ext cx="3142323" cy="661019"/>
+          </a:xfrm>
+          <a:prstGeom prst="rect">
+            <a:avLst/>
+          </a:prstGeom>
+          <a:solidFill>
+            <a:srgbClr val="D22D1C"/>
+          </a:solidFill>
+          <a:ln>
+            <a:noFill/>
+          </a:ln>
+        </p:spPr>
+        <p:style>
+          <a:lnRef idx="2">
+            <a:schemeClr val="accent1">
+              <a:shade val="50000"/>
+            </a:schemeClr>
+          </a:lnRef>
+          <a:fillRef idx="1">
+            <a:schemeClr val="accent1"/>
+          </a:fillRef>
+          <a:effectRef idx="0">
+            <a:schemeClr val="accent1"/>
+          </a:effectRef>
+          <a:fontRef idx="minor">
+            <a:schemeClr val="lt1"/>
+          </a:fontRef>
+        </p:style>
+        <p:txBody>
+          <a:bodyPr rtlCol="0" anchor="ctr"/>
+          <a:lstStyle/>
+          <a:p>
+            <a:pPr algn="ctr"/>
+            <a:endParaRPr lang="pt-BR" dirty="0"/>
+          </a:p>
+        </p:txBody>
+      </p:sp>
+      <p:sp>
+        <p:nvSpPr>
+          <p:cNvPr id="19" name="Retângulo 18">
+            <a:extLst>
+              <a:ext uri="{FF2B5EF4-FFF2-40B4-BE49-F238E27FC236}">
+                <a16:creationId xmlns:a16="http://schemas.microsoft.com/office/drawing/2014/main" id="{438B99D2-1AA0-4B02-925E-010CF085BE68}"/>
+              </a:ext>
+            </a:extLst>
+          </p:cNvPr>
+          <p:cNvSpPr/>
+          <p:nvPr/>
+        </p:nvSpPr>
+        <p:spPr>
+          <a:xfrm>
+            <a:off x="9308891" y="5425370"/>
+            <a:ext cx="2883107" cy="661019"/>
+          </a:xfrm>
+          <a:prstGeom prst="rect">
+            <a:avLst/>
+          </a:prstGeom>
+          <a:solidFill>
+            <a:schemeClr val="tx1">
+              <a:lumMod val="95000"/>
+              <a:lumOff val="5000"/>
+            </a:schemeClr>
+          </a:solidFill>
+          <a:ln>
+            <a:noFill/>
+          </a:ln>
+        </p:spPr>
+        <p:style>
+          <a:lnRef idx="2">
+            <a:schemeClr val="accent1">
+              <a:shade val="50000"/>
+            </a:schemeClr>
+          </a:lnRef>
+          <a:fillRef idx="1">
+            <a:schemeClr val="accent1"/>
+          </a:fillRef>
+          <a:effectRef idx="0">
+            <a:schemeClr val="accent1"/>
+          </a:effectRef>
+          <a:fontRef idx="minor">
+            <a:schemeClr val="lt1"/>
+          </a:fontRef>
+        </p:style>
+        <p:txBody>
+          <a:bodyPr rtlCol="0" anchor="ctr"/>
+          <a:lstStyle/>
+          <a:p>
+            <a:pPr algn="ctr"/>
+            <a:endParaRPr lang="pt-BR" dirty="0"/>
+          </a:p>
+        </p:txBody>
+      </p:sp>
+      <p:sp>
+        <p:nvSpPr>
+          <p:cNvPr id="20" name="CaixaDeTexto 19">
+            <a:extLst>
+              <a:ext uri="{FF2B5EF4-FFF2-40B4-BE49-F238E27FC236}">
+                <a16:creationId xmlns:a16="http://schemas.microsoft.com/office/drawing/2014/main" id="{03631B30-9940-4AEF-8882-979BD4F1EFB0}"/>
+              </a:ext>
+            </a:extLst>
+          </p:cNvPr>
+          <p:cNvSpPr txBox="1"/>
+          <p:nvPr/>
+        </p:nvSpPr>
+        <p:spPr>
+          <a:xfrm>
+            <a:off x="9390559" y="5494269"/>
+            <a:ext cx="2421690" cy="523220"/>
+          </a:xfrm>
+          <a:prstGeom prst="rect">
+            <a:avLst/>
+          </a:prstGeom>
+          <a:noFill/>
+        </p:spPr>
+        <p:txBody>
+          <a:bodyPr wrap="square" rtlCol="0">
+            <a:spAutoFit/>
+          </a:bodyPr>
+          <a:lstStyle/>
+          <a:p>
+            <a:pPr algn="ctr"/>
+            <a:r>
+              <a:rPr lang="pt-BR" sz="2800" dirty="0">
+                <a:solidFill>
+                  <a:srgbClr val="D22D1C"/>
+                </a:solidFill>
+                <a:latin typeface="Arvo" panose="02000000000000000000" pitchFamily="2" charset="0"/>
+                <a:ea typeface="Adobe Gothic Std B" panose="020B0800000000000000" pitchFamily="34" charset="-128"/>
+              </a:rPr>
+              <a:t>TCP </a:t>
+            </a:r>
+            <a:r>
+              <a:rPr lang="pt-BR" dirty="0">
+                <a:solidFill>
+                  <a:schemeClr val="bg1"/>
+                </a:solidFill>
+                <a:latin typeface="Arvo" panose="02000000000000000000" pitchFamily="2" charset="0"/>
+                <a:ea typeface="Adobe Gothic Std B" panose="020B0800000000000000" pitchFamily="34" charset="-128"/>
+              </a:rPr>
+              <a:t>com </a:t>
+            </a:r>
+            <a:r>
+              <a:rPr lang="pt-BR" dirty="0" err="1">
+                <a:solidFill>
+                  <a:schemeClr val="bg1"/>
+                </a:solidFill>
+                <a:latin typeface="Arvo" panose="02000000000000000000" pitchFamily="2" charset="0"/>
+                <a:ea typeface="Adobe Gothic Std B" panose="020B0800000000000000" pitchFamily="34" charset="-128"/>
+              </a:rPr>
+              <a:t>iperf</a:t>
+            </a:r>
+            <a:endParaRPr lang="pt-BR" sz="2800" dirty="0">
+              <a:solidFill>
+                <a:schemeClr val="bg1"/>
+              </a:solidFill>
+              <a:latin typeface="Arvo" panose="02000000000000000000" pitchFamily="2" charset="0"/>
+              <a:ea typeface="Adobe Gothic Std B" panose="020B0800000000000000" pitchFamily="34" charset="-128"/>
+            </a:endParaRPr>
+          </a:p>
+        </p:txBody>
+      </p:sp>
+      <p:sp>
+        <p:nvSpPr>
+          <p:cNvPr id="21" name="CaixaDeTexto 20">
+            <a:extLst>
+              <a:ext uri="{FF2B5EF4-FFF2-40B4-BE49-F238E27FC236}">
+                <a16:creationId xmlns:a16="http://schemas.microsoft.com/office/drawing/2014/main" id="{611B9B1B-F2B5-4557-89D1-EBB2A11AD29B}"/>
+              </a:ext>
+            </a:extLst>
+          </p:cNvPr>
+          <p:cNvSpPr txBox="1"/>
+          <p:nvPr/>
+        </p:nvSpPr>
+        <p:spPr>
+          <a:xfrm>
+            <a:off x="9331683" y="3791542"/>
+            <a:ext cx="2578308" cy="963149"/>
+          </a:xfrm>
+          <a:prstGeom prst="rect">
+            <a:avLst/>
+          </a:prstGeom>
+          <a:noFill/>
+        </p:spPr>
+        <p:txBody>
+          <a:bodyPr wrap="square" rtlCol="0">
+            <a:spAutoFit/>
+          </a:bodyPr>
+          <a:lstStyle/>
+          <a:p>
+            <a:pPr algn="ctr">
+              <a:lnSpc>
+                <a:spcPct val="150000"/>
+              </a:lnSpc>
+            </a:pPr>
+            <a:r>
+              <a:rPr lang="pt-BR" sz="2000" dirty="0">
+                <a:solidFill>
+                  <a:schemeClr val="tx1">
+                    <a:lumMod val="85000"/>
+                    <a:lumOff val="15000"/>
+                  </a:schemeClr>
+                </a:solidFill>
+                <a:latin typeface="Arvo" panose="02000000000000000000" pitchFamily="2" charset="0"/>
+                <a:ea typeface="Adobe Gothic Std B" panose="020B0800000000000000" pitchFamily="34" charset="-128"/>
+              </a:rPr>
+              <a:t>184 segundos </a:t>
+            </a:r>
+          </a:p>
+          <a:p>
+            <a:pPr algn="ctr">
+              <a:lnSpc>
+                <a:spcPct val="150000"/>
+              </a:lnSpc>
+            </a:pPr>
+            <a:r>
+              <a:rPr lang="pt-BR" sz="2000" dirty="0">
+                <a:solidFill>
+                  <a:schemeClr val="tx1">
+                    <a:lumMod val="85000"/>
+                    <a:lumOff val="15000"/>
+                  </a:schemeClr>
+                </a:solidFill>
+                <a:latin typeface="Arvo" panose="02000000000000000000" pitchFamily="2" charset="0"/>
+                <a:ea typeface="Adobe Gothic Std B" panose="020B0800000000000000" pitchFamily="34" charset="-128"/>
+              </a:rPr>
+              <a:t>100.000 pacotes</a:t>
+            </a:r>
+          </a:p>
+        </p:txBody>
+      </p:sp>
+    </p:spTree>
+    <p:extLst>
+      <p:ext uri="{BB962C8B-B14F-4D97-AF65-F5344CB8AC3E}">
+        <p14:creationId xmlns:p14="http://schemas.microsoft.com/office/powerpoint/2010/main" val="3013689350"/>
+      </p:ext>
+    </p:extLst>
+  </p:cSld>
+  <p:clrMapOvr>
+    <a:masterClrMapping/>
+  </p:clrMapOvr>
+</p:sld>
+</file>
+
 <file path=ppt/slides/slide2.xml><?xml version="1.0" encoding="utf-8"?>
 <p:sld xmlns:a="http://schemas.openxmlformats.org/drawingml/2006/main" xmlns:r="http://schemas.openxmlformats.org/officeDocument/2006/relationships" xmlns:p="http://schemas.openxmlformats.org/presentationml/2006/main">
   <p:cSld>
@@ -11571,10 +15319,10 @@
       </p:sp>
       <p:pic>
         <p:nvPicPr>
-          <p:cNvPr id="6" name="Imagem 5">
-            <a:extLst>
-              <a:ext uri="{FF2B5EF4-FFF2-40B4-BE49-F238E27FC236}">
-                <a16:creationId xmlns:a16="http://schemas.microsoft.com/office/drawing/2014/main" id="{10427A7C-FF53-4458-9503-7D2DFC8CA7EB}"/>
+          <p:cNvPr id="2" name="Imagem 1">
+            <a:extLst>
+              <a:ext uri="{FF2B5EF4-FFF2-40B4-BE49-F238E27FC236}">
+                <a16:creationId xmlns:a16="http://schemas.microsoft.com/office/drawing/2014/main" id="{5CEF955E-2DDC-4B65-A23E-BDB8EB22CFD4}"/>
               </a:ext>
             </a:extLst>
           </p:cNvPr>
@@ -11585,13 +15333,13 @@
         </p:nvPicPr>
         <p:blipFill rotWithShape="1">
           <a:blip r:embed="rId2"/>
-          <a:srcRect l="19224" t="31912" r="24160" b="39236"/>
+          <a:srcRect l="12854" t="15043" r="15761" b="65688"/>
           <a:stretch/>
         </p:blipFill>
         <p:spPr>
           <a:xfrm>
-            <a:off x="1464039" y="1376813"/>
-            <a:ext cx="9024079" cy="2574708"/>
+            <a:off x="1501439" y="4434711"/>
+            <a:ext cx="9016557" cy="1493464"/>
           </a:xfrm>
           <a:prstGeom prst="rect">
             <a:avLst/>
@@ -11600,10 +15348,10 @@
       </p:pic>
       <p:pic>
         <p:nvPicPr>
-          <p:cNvPr id="9" name="Imagem 8">
-            <a:extLst>
-              <a:ext uri="{FF2B5EF4-FFF2-40B4-BE49-F238E27FC236}">
-                <a16:creationId xmlns:a16="http://schemas.microsoft.com/office/drawing/2014/main" id="{298D8480-BE52-4935-907E-B8ADA589DFE8}"/>
+          <p:cNvPr id="7" name="Imagem 6">
+            <a:extLst>
+              <a:ext uri="{FF2B5EF4-FFF2-40B4-BE49-F238E27FC236}">
+                <a16:creationId xmlns:a16="http://schemas.microsoft.com/office/drawing/2014/main" id="{A53855E3-0662-428B-9179-C38925AEC376}"/>
               </a:ext>
             </a:extLst>
           </p:cNvPr>
@@ -11614,13 +15362,13 @@
         </p:nvPicPr>
         <p:blipFill rotWithShape="1">
           <a:blip r:embed="rId3"/>
-          <a:srcRect l="8772" t="10929" r="48931" b="70929"/>
+          <a:srcRect l="19344" t="41043" r="23210" b="35702"/>
           <a:stretch/>
         </p:blipFill>
         <p:spPr>
           <a:xfrm>
-            <a:off x="1269166" y="4043274"/>
-            <a:ext cx="9218951" cy="2372458"/>
+            <a:off x="1501439" y="2032000"/>
+            <a:ext cx="9189121" cy="2231901"/>
           </a:xfrm>
           <a:prstGeom prst="rect">
             <a:avLst/>
@@ -11671,8 +15419,8 @@
         </p:nvSpPr>
         <p:spPr>
           <a:xfrm>
-            <a:off x="0" y="0"/>
-            <a:ext cx="12191999" cy="6858000"/>
+            <a:off x="6937282" y="0"/>
+            <a:ext cx="5254717" cy="6858000"/>
           </a:xfrm>
           <a:prstGeom prst="rect">
             <a:avLst/>
@@ -11726,8 +15474,8 @@
         </p:nvSpPr>
         <p:spPr>
           <a:xfrm>
-            <a:off x="7164389" y="433544"/>
-            <a:ext cx="4663464" cy="4770480"/>
+            <a:off x="7164389" y="267286"/>
+            <a:ext cx="4663464" cy="4936738"/>
           </a:xfrm>
           <a:prstGeom prst="roundRect">
             <a:avLst>
@@ -11780,8 +15528,8 @@
         </p:nvSpPr>
         <p:spPr>
           <a:xfrm>
-            <a:off x="0" y="-25772"/>
-            <a:ext cx="164963" cy="6883771"/>
+            <a:off x="1" y="-25772"/>
+            <a:ext cx="145360" cy="6883771"/>
           </a:xfrm>
           <a:prstGeom prst="rect">
             <a:avLst/>
@@ -11994,12 +15742,271 @@
           </a:p>
         </p:txBody>
       </p:sp>
+      <p:grpSp>
+        <p:nvGrpSpPr>
+          <p:cNvPr id="6" name="Agrupar 5">
+            <a:extLst>
+              <a:ext uri="{FF2B5EF4-FFF2-40B4-BE49-F238E27FC236}">
+                <a16:creationId xmlns:a16="http://schemas.microsoft.com/office/drawing/2014/main" id="{678B4FC8-1CC2-4449-8882-CAD9CFD5BC2C}"/>
+              </a:ext>
+            </a:extLst>
+          </p:cNvPr>
+          <p:cNvGrpSpPr/>
+          <p:nvPr/>
+        </p:nvGrpSpPr>
+        <p:grpSpPr>
+          <a:xfrm>
+            <a:off x="7530981" y="558434"/>
+            <a:ext cx="4067318" cy="3369801"/>
+            <a:chOff x="7491457" y="835680"/>
+            <a:chExt cx="4067318" cy="3369801"/>
+          </a:xfrm>
+        </p:grpSpPr>
+        <p:pic>
+          <p:nvPicPr>
+            <p:cNvPr id="5122" name="Picture 2" descr="Resultado de imagem para laptop flat icon">
+              <a:extLst>
+                <a:ext uri="{FF2B5EF4-FFF2-40B4-BE49-F238E27FC236}">
+                  <a16:creationId xmlns:a16="http://schemas.microsoft.com/office/drawing/2014/main" id="{17BB4B90-75F4-400D-B8C8-88527E64CDC6}"/>
+                </a:ext>
+              </a:extLst>
+            </p:cNvPr>
+            <p:cNvPicPr>
+              <a:picLocks noChangeAspect="1" noChangeArrowheads="1"/>
+            </p:cNvPicPr>
+            <p:nvPr/>
+          </p:nvPicPr>
+          <p:blipFill>
+            <a:blip r:embed="rId2">
+              <a:extLst>
+                <a:ext uri="{28A0092B-C50C-407E-A947-70E740481C1C}">
+                  <a14:useLocalDpi xmlns:a14="http://schemas.microsoft.com/office/drawing/2010/main" val="0"/>
+                </a:ext>
+              </a:extLst>
+            </a:blip>
+            <a:srcRect/>
+            <a:stretch>
+              <a:fillRect/>
+            </a:stretch>
+          </p:blipFill>
+          <p:spPr bwMode="auto">
+            <a:xfrm flipH="1">
+              <a:off x="10273174" y="2872815"/>
+              <a:ext cx="1285601" cy="1285601"/>
+            </a:xfrm>
+            <a:prstGeom prst="rect">
+              <a:avLst/>
+            </a:prstGeom>
+            <a:noFill/>
+            <a:extLst>
+              <a:ext uri="{909E8E84-426E-40DD-AFC4-6F175D3DCCD1}">
+                <a14:hiddenFill xmlns:a14="http://schemas.microsoft.com/office/drawing/2010/main">
+                  <a:solidFill>
+                    <a:srgbClr val="FFFFFF"/>
+                  </a:solidFill>
+                </a14:hiddenFill>
+              </a:ext>
+            </a:extLst>
+          </p:spPr>
+        </p:pic>
+        <p:pic>
+          <p:nvPicPr>
+            <p:cNvPr id="5124" name="Picture 4" descr="Resultado de imagem para computer flat icon">
+              <a:extLst>
+                <a:ext uri="{FF2B5EF4-FFF2-40B4-BE49-F238E27FC236}">
+                  <a16:creationId xmlns:a16="http://schemas.microsoft.com/office/drawing/2014/main" id="{EFA8E51D-5406-442D-ADC3-B98F6BDCE62F}"/>
+                </a:ext>
+              </a:extLst>
+            </p:cNvPr>
+            <p:cNvPicPr>
+              <a:picLocks noChangeAspect="1" noChangeArrowheads="1"/>
+            </p:cNvPicPr>
+            <p:nvPr/>
+          </p:nvPicPr>
+          <p:blipFill>
+            <a:blip r:embed="rId3">
+              <a:extLst>
+                <a:ext uri="{28A0092B-C50C-407E-A947-70E740481C1C}">
+                  <a14:useLocalDpi xmlns:a14="http://schemas.microsoft.com/office/drawing/2010/main" val="0"/>
+                </a:ext>
+              </a:extLst>
+            </a:blip>
+            <a:srcRect/>
+            <a:stretch>
+              <a:fillRect/>
+            </a:stretch>
+          </p:blipFill>
+          <p:spPr bwMode="auto">
+            <a:xfrm>
+              <a:off x="7491457" y="2919880"/>
+              <a:ext cx="1285601" cy="1285601"/>
+            </a:xfrm>
+            <a:prstGeom prst="rect">
+              <a:avLst/>
+            </a:prstGeom>
+            <a:noFill/>
+            <a:extLst>
+              <a:ext uri="{909E8E84-426E-40DD-AFC4-6F175D3DCCD1}">
+                <a14:hiddenFill xmlns:a14="http://schemas.microsoft.com/office/drawing/2010/main">
+                  <a:solidFill>
+                    <a:srgbClr val="FFFFFF"/>
+                  </a:solidFill>
+                </a14:hiddenFill>
+              </a:ext>
+            </a:extLst>
+          </p:spPr>
+        </p:pic>
+        <p:pic>
+          <p:nvPicPr>
+            <p:cNvPr id="5126" name="Picture 6" descr="Resultado de imagem para router flat icon">
+              <a:extLst>
+                <a:ext uri="{FF2B5EF4-FFF2-40B4-BE49-F238E27FC236}">
+                  <a16:creationId xmlns:a16="http://schemas.microsoft.com/office/drawing/2014/main" id="{26267F5D-DA5B-4104-BD9B-00928A1C8BEB}"/>
+                </a:ext>
+              </a:extLst>
+            </p:cNvPr>
+            <p:cNvPicPr>
+              <a:picLocks noChangeAspect="1" noChangeArrowheads="1"/>
+            </p:cNvPicPr>
+            <p:nvPr/>
+          </p:nvPicPr>
+          <p:blipFill>
+            <a:blip r:embed="rId4">
+              <a:extLst>
+                <a:ext uri="{28A0092B-C50C-407E-A947-70E740481C1C}">
+                  <a14:useLocalDpi xmlns:a14="http://schemas.microsoft.com/office/drawing/2010/main" val="0"/>
+                </a:ext>
+              </a:extLst>
+            </a:blip>
+            <a:srcRect/>
+            <a:stretch>
+              <a:fillRect/>
+            </a:stretch>
+          </p:blipFill>
+          <p:spPr bwMode="auto">
+            <a:xfrm>
+              <a:off x="8872532" y="835680"/>
+              <a:ext cx="1124030" cy="1124030"/>
+            </a:xfrm>
+            <a:prstGeom prst="rect">
+              <a:avLst/>
+            </a:prstGeom>
+            <a:noFill/>
+            <a:extLst>
+              <a:ext uri="{909E8E84-426E-40DD-AFC4-6F175D3DCCD1}">
+                <a14:hiddenFill xmlns:a14="http://schemas.microsoft.com/office/drawing/2010/main">
+                  <a:solidFill>
+                    <a:srgbClr val="FFFFFF"/>
+                  </a:solidFill>
+                </a14:hiddenFill>
+              </a:ext>
+            </a:extLst>
+          </p:spPr>
+        </p:pic>
+        <p:pic>
+          <p:nvPicPr>
+            <p:cNvPr id="5128" name="Picture 8" descr="Resultado de imagem para wifi icon">
+              <a:extLst>
+                <a:ext uri="{FF2B5EF4-FFF2-40B4-BE49-F238E27FC236}">
+                  <a16:creationId xmlns:a16="http://schemas.microsoft.com/office/drawing/2014/main" id="{1E58B87A-9FE4-453A-B20A-642B993AB0C4}"/>
+                </a:ext>
+              </a:extLst>
+            </p:cNvPr>
+            <p:cNvPicPr>
+              <a:picLocks noChangeAspect="1" noChangeArrowheads="1"/>
+            </p:cNvPicPr>
+            <p:nvPr/>
+          </p:nvPicPr>
+          <p:blipFill>
+            <a:blip r:embed="rId5">
+              <a:duotone>
+                <a:schemeClr val="bg2">
+                  <a:shade val="45000"/>
+                  <a:satMod val="135000"/>
+                </a:schemeClr>
+                <a:prstClr val="white"/>
+              </a:duotone>
+              <a:extLst>
+                <a:ext uri="{28A0092B-C50C-407E-A947-70E740481C1C}">
+                  <a14:useLocalDpi xmlns:a14="http://schemas.microsoft.com/office/drawing/2010/main" val="0"/>
+                </a:ext>
+              </a:extLst>
+            </a:blip>
+            <a:srcRect/>
+            <a:stretch>
+              <a:fillRect/>
+            </a:stretch>
+          </p:blipFill>
+          <p:spPr bwMode="auto">
+            <a:xfrm flipH="1">
+              <a:off x="10015119" y="2240421"/>
+              <a:ext cx="516109" cy="426634"/>
+            </a:xfrm>
+            <a:prstGeom prst="rect">
+              <a:avLst/>
+            </a:prstGeom>
+            <a:noFill/>
+            <a:extLst>
+              <a:ext uri="{909E8E84-426E-40DD-AFC4-6F175D3DCCD1}">
+                <a14:hiddenFill xmlns:a14="http://schemas.microsoft.com/office/drawing/2010/main">
+                  <a:solidFill>
+                    <a:srgbClr val="FFFFFF"/>
+                  </a:solidFill>
+                </a14:hiddenFill>
+              </a:ext>
+            </a:extLst>
+          </p:spPr>
+        </p:pic>
+        <p:cxnSp>
+          <p:nvCxnSpPr>
+            <p:cNvPr id="7" name="Conector reto 6">
+              <a:extLst>
+                <a:ext uri="{FF2B5EF4-FFF2-40B4-BE49-F238E27FC236}">
+                  <a16:creationId xmlns:a16="http://schemas.microsoft.com/office/drawing/2014/main" id="{F206C490-A0CD-4CD6-A476-E8C1860EF5DF}"/>
+                </a:ext>
+              </a:extLst>
+            </p:cNvPr>
+            <p:cNvCxnSpPr>
+              <a:cxnSpLocks/>
+            </p:cNvCxnSpPr>
+            <p:nvPr/>
+          </p:nvCxnSpPr>
+          <p:spPr>
+            <a:xfrm flipV="1">
+              <a:off x="8445312" y="1959710"/>
+              <a:ext cx="591233" cy="853776"/>
+            </a:xfrm>
+            <a:prstGeom prst="line">
+              <a:avLst/>
+            </a:prstGeom>
+            <a:ln w="28575">
+              <a:solidFill>
+                <a:srgbClr val="EE2423"/>
+              </a:solidFill>
+            </a:ln>
+          </p:spPr>
+          <p:style>
+            <a:lnRef idx="1">
+              <a:schemeClr val="accent1"/>
+            </a:lnRef>
+            <a:fillRef idx="0">
+              <a:schemeClr val="accent1"/>
+            </a:fillRef>
+            <a:effectRef idx="0">
+              <a:schemeClr val="accent1"/>
+            </a:effectRef>
+            <a:fontRef idx="minor">
+              <a:schemeClr val="tx1"/>
+            </a:fontRef>
+          </p:style>
+        </p:cxnSp>
+      </p:grpSp>
       <p:pic>
         <p:nvPicPr>
-          <p:cNvPr id="2" name="Imagem 1">
-            <a:extLst>
-              <a:ext uri="{FF2B5EF4-FFF2-40B4-BE49-F238E27FC236}">
-                <a16:creationId xmlns:a16="http://schemas.microsoft.com/office/drawing/2014/main" id="{E3621373-3838-454F-9D69-096B849F2231}"/>
+          <p:cNvPr id="3" name="Imagem 2">
+            <a:extLst>
+              <a:ext uri="{FF2B5EF4-FFF2-40B4-BE49-F238E27FC236}">
+                <a16:creationId xmlns:a16="http://schemas.microsoft.com/office/drawing/2014/main" id="{2525F44A-9B57-4C3B-B450-76E454106DD2}"/>
               </a:ext>
             </a:extLst>
           </p:cNvPr>
@@ -12009,258 +16016,89 @@
           <p:nvPr/>
         </p:nvPicPr>
         <p:blipFill rotWithShape="1">
-          <a:blip r:embed="rId2"/>
-          <a:srcRect l="7006" t="10056" r="44962" b="6321"/>
+          <a:blip r:embed="rId6"/>
+          <a:srcRect l="12420" t="13789" r="15336" b="6322"/>
           <a:stretch/>
         </p:blipFill>
         <p:spPr>
           <a:xfrm>
-            <a:off x="164963" y="-25773"/>
-            <a:ext cx="6640571" cy="6936618"/>
+            <a:off x="145360" y="91439"/>
+            <a:ext cx="6791922" cy="6649347"/>
           </a:xfrm>
           <a:prstGeom prst="rect">
             <a:avLst/>
           </a:prstGeom>
         </p:spPr>
       </p:pic>
-      <p:pic>
-        <p:nvPicPr>
-          <p:cNvPr id="5122" name="Picture 2" descr="Resultado de imagem para laptop flat icon">
-            <a:extLst>
-              <a:ext uri="{FF2B5EF4-FFF2-40B4-BE49-F238E27FC236}">
-                <a16:creationId xmlns:a16="http://schemas.microsoft.com/office/drawing/2014/main" id="{17BB4B90-75F4-400D-B8C8-88527E64CDC6}"/>
-              </a:ext>
-            </a:extLst>
-          </p:cNvPr>
-          <p:cNvPicPr>
-            <a:picLocks noChangeAspect="1" noChangeArrowheads="1"/>
-          </p:cNvPicPr>
-          <p:nvPr/>
-        </p:nvPicPr>
-        <p:blipFill>
-          <a:blip r:embed="rId3">
-            <a:extLst>
-              <a:ext uri="{28A0092B-C50C-407E-A947-70E740481C1C}">
-                <a14:useLocalDpi xmlns:a14="http://schemas.microsoft.com/office/drawing/2010/main" val="0"/>
-              </a:ext>
-            </a:extLst>
-          </a:blip>
-          <a:srcRect/>
-          <a:stretch>
-            <a:fillRect/>
-          </a:stretch>
-        </p:blipFill>
-        <p:spPr bwMode="auto">
-          <a:xfrm flipH="1">
-            <a:off x="10334748" y="3069763"/>
-            <a:ext cx="1285601" cy="1285601"/>
+      <p:sp>
+        <p:nvSpPr>
+          <p:cNvPr id="16" name="CaixaDeTexto 15">
+            <a:extLst>
+              <a:ext uri="{FF2B5EF4-FFF2-40B4-BE49-F238E27FC236}">
+                <a16:creationId xmlns:a16="http://schemas.microsoft.com/office/drawing/2014/main" id="{4093CF7C-4112-45E4-9B61-57647468C23B}"/>
+              </a:ext>
+            </a:extLst>
+          </p:cNvPr>
+          <p:cNvSpPr txBox="1"/>
+          <p:nvPr/>
+        </p:nvSpPr>
+        <p:spPr>
+          <a:xfrm>
+            <a:off x="7919523" y="4045428"/>
+            <a:ext cx="3290234" cy="963149"/>
           </a:xfrm>
           <a:prstGeom prst="rect">
             <a:avLst/>
           </a:prstGeom>
           <a:noFill/>
-          <a:extLst>
-            <a:ext uri="{909E8E84-426E-40DD-AFC4-6F175D3DCCD1}">
-              <a14:hiddenFill xmlns:a14="http://schemas.microsoft.com/office/drawing/2010/main">
-                <a:solidFill>
-                  <a:srgbClr val="FFFFFF"/>
-                </a:solidFill>
-              </a14:hiddenFill>
-            </a:ext>
-          </a:extLst>
-        </p:spPr>
-      </p:pic>
-      <p:pic>
-        <p:nvPicPr>
-          <p:cNvPr id="5124" name="Picture 4" descr="Resultado de imagem para computer flat icon">
-            <a:extLst>
-              <a:ext uri="{FF2B5EF4-FFF2-40B4-BE49-F238E27FC236}">
-                <a16:creationId xmlns:a16="http://schemas.microsoft.com/office/drawing/2014/main" id="{EFA8E51D-5406-442D-ADC3-B98F6BDCE62F}"/>
-              </a:ext>
-            </a:extLst>
-          </p:cNvPr>
-          <p:cNvPicPr>
-            <a:picLocks noChangeAspect="1" noChangeArrowheads="1"/>
-          </p:cNvPicPr>
-          <p:nvPr/>
-        </p:nvPicPr>
-        <p:blipFill>
-          <a:blip r:embed="rId4">
-            <a:extLst>
-              <a:ext uri="{28A0092B-C50C-407E-A947-70E740481C1C}">
-                <a14:useLocalDpi xmlns:a14="http://schemas.microsoft.com/office/drawing/2010/main" val="0"/>
-              </a:ext>
-            </a:extLst>
-          </a:blip>
-          <a:srcRect/>
-          <a:stretch>
-            <a:fillRect/>
-          </a:stretch>
-        </p:blipFill>
-        <p:spPr bwMode="auto">
-          <a:xfrm>
-            <a:off x="7553031" y="3116828"/>
-            <a:ext cx="1285601" cy="1285601"/>
-          </a:xfrm>
-          <a:prstGeom prst="rect">
-            <a:avLst/>
-          </a:prstGeom>
-          <a:noFill/>
-          <a:extLst>
-            <a:ext uri="{909E8E84-426E-40DD-AFC4-6F175D3DCCD1}">
-              <a14:hiddenFill xmlns:a14="http://schemas.microsoft.com/office/drawing/2010/main">
-                <a:solidFill>
-                  <a:srgbClr val="FFFFFF"/>
-                </a:solidFill>
-              </a14:hiddenFill>
-            </a:ext>
-          </a:extLst>
-        </p:spPr>
-      </p:pic>
-      <p:pic>
-        <p:nvPicPr>
-          <p:cNvPr id="5126" name="Picture 6" descr="Resultado de imagem para router flat icon">
-            <a:extLst>
-              <a:ext uri="{FF2B5EF4-FFF2-40B4-BE49-F238E27FC236}">
-                <a16:creationId xmlns:a16="http://schemas.microsoft.com/office/drawing/2014/main" id="{26267F5D-DA5B-4104-BD9B-00928A1C8BEB}"/>
-              </a:ext>
-            </a:extLst>
-          </p:cNvPr>
-          <p:cNvPicPr>
-            <a:picLocks noChangeAspect="1" noChangeArrowheads="1"/>
-          </p:cNvPicPr>
-          <p:nvPr/>
-        </p:nvPicPr>
-        <p:blipFill>
-          <a:blip r:embed="rId5">
-            <a:extLst>
-              <a:ext uri="{28A0092B-C50C-407E-A947-70E740481C1C}">
-                <a14:useLocalDpi xmlns:a14="http://schemas.microsoft.com/office/drawing/2010/main" val="0"/>
-              </a:ext>
-            </a:extLst>
-          </a:blip>
-          <a:srcRect/>
-          <a:stretch>
-            <a:fillRect/>
-          </a:stretch>
-        </p:blipFill>
-        <p:spPr bwMode="auto">
-          <a:xfrm>
-            <a:off x="8934106" y="1032628"/>
-            <a:ext cx="1124030" cy="1124030"/>
-          </a:xfrm>
-          <a:prstGeom prst="rect">
-            <a:avLst/>
-          </a:prstGeom>
-          <a:noFill/>
-          <a:extLst>
-            <a:ext uri="{909E8E84-426E-40DD-AFC4-6F175D3DCCD1}">
-              <a14:hiddenFill xmlns:a14="http://schemas.microsoft.com/office/drawing/2010/main">
-                <a:solidFill>
-                  <a:srgbClr val="FFFFFF"/>
-                </a:solidFill>
-              </a14:hiddenFill>
-            </a:ext>
-          </a:extLst>
-        </p:spPr>
-      </p:pic>
-      <p:pic>
-        <p:nvPicPr>
-          <p:cNvPr id="5128" name="Picture 8" descr="Resultado de imagem para wifi icon">
-            <a:extLst>
-              <a:ext uri="{FF2B5EF4-FFF2-40B4-BE49-F238E27FC236}">
-                <a16:creationId xmlns:a16="http://schemas.microsoft.com/office/drawing/2014/main" id="{1E58B87A-9FE4-453A-B20A-642B993AB0C4}"/>
-              </a:ext>
-            </a:extLst>
-          </p:cNvPr>
-          <p:cNvPicPr>
-            <a:picLocks noChangeAspect="1" noChangeArrowheads="1"/>
-          </p:cNvPicPr>
-          <p:nvPr/>
-        </p:nvPicPr>
-        <p:blipFill>
-          <a:blip r:embed="rId6">
-            <a:duotone>
-              <a:schemeClr val="bg2">
-                <a:shade val="45000"/>
-                <a:satMod val="135000"/>
-              </a:schemeClr>
-              <a:prstClr val="white"/>
-            </a:duotone>
-            <a:extLst>
-              <a:ext uri="{28A0092B-C50C-407E-A947-70E740481C1C}">
-                <a14:useLocalDpi xmlns:a14="http://schemas.microsoft.com/office/drawing/2010/main" val="0"/>
-              </a:ext>
-            </a:extLst>
-          </a:blip>
-          <a:srcRect/>
-          <a:stretch>
-            <a:fillRect/>
-          </a:stretch>
-        </p:blipFill>
-        <p:spPr bwMode="auto">
-          <a:xfrm flipH="1">
-            <a:off x="10076693" y="2437369"/>
-            <a:ext cx="516109" cy="426634"/>
-          </a:xfrm>
-          <a:prstGeom prst="rect">
-            <a:avLst/>
-          </a:prstGeom>
-          <a:noFill/>
-          <a:extLst>
-            <a:ext uri="{909E8E84-426E-40DD-AFC4-6F175D3DCCD1}">
-              <a14:hiddenFill xmlns:a14="http://schemas.microsoft.com/office/drawing/2010/main">
-                <a:solidFill>
-                  <a:srgbClr val="FFFFFF"/>
-                </a:solidFill>
-              </a14:hiddenFill>
-            </a:ext>
-          </a:extLst>
-        </p:spPr>
-      </p:pic>
-      <p:cxnSp>
-        <p:nvCxnSpPr>
-          <p:cNvPr id="7" name="Conector reto 6">
-            <a:extLst>
-              <a:ext uri="{FF2B5EF4-FFF2-40B4-BE49-F238E27FC236}">
-                <a16:creationId xmlns:a16="http://schemas.microsoft.com/office/drawing/2014/main" id="{F206C490-A0CD-4CD6-A476-E8C1860EF5DF}"/>
-              </a:ext>
-            </a:extLst>
-          </p:cNvPr>
-          <p:cNvCxnSpPr>
-            <a:cxnSpLocks/>
-          </p:cNvCxnSpPr>
-          <p:nvPr/>
-        </p:nvCxnSpPr>
-        <p:spPr>
-          <a:xfrm flipV="1">
-            <a:off x="8506886" y="2156658"/>
-            <a:ext cx="591233" cy="853776"/>
-          </a:xfrm>
-          <a:prstGeom prst="line">
-            <a:avLst/>
-          </a:prstGeom>
-          <a:ln w="28575">
-            <a:solidFill>
-              <a:srgbClr val="EE2423"/>
-            </a:solidFill>
-          </a:ln>
-        </p:spPr>
-        <p:style>
-          <a:lnRef idx="1">
-            <a:schemeClr val="accent1"/>
-          </a:lnRef>
-          <a:fillRef idx="0">
-            <a:schemeClr val="accent1"/>
-          </a:fillRef>
-          <a:effectRef idx="0">
-            <a:schemeClr val="accent1"/>
-          </a:effectRef>
-          <a:fontRef idx="minor">
-            <a:schemeClr val="tx1"/>
-          </a:fontRef>
-        </p:style>
-      </p:cxnSp>
+        </p:spPr>
+        <p:txBody>
+          <a:bodyPr wrap="square" rtlCol="0">
+            <a:spAutoFit/>
+          </a:bodyPr>
+          <a:lstStyle/>
+          <a:p>
+            <a:pPr algn="ctr">
+              <a:lnSpc>
+                <a:spcPct val="150000"/>
+              </a:lnSpc>
+            </a:pPr>
+            <a:r>
+              <a:rPr lang="pt-BR" sz="2000" dirty="0">
+                <a:solidFill>
+                  <a:schemeClr val="tx1">
+                    <a:lumMod val="85000"/>
+                    <a:lumOff val="15000"/>
+                  </a:schemeClr>
+                </a:solidFill>
+                <a:latin typeface="Arvo" panose="02000000000000000000" pitchFamily="2" charset="0"/>
+                <a:ea typeface="Adobe Gothic Std B" panose="020B0800000000000000" pitchFamily="34" charset="-128"/>
+              </a:rPr>
+              <a:t>20 segundos </a:t>
+            </a:r>
+          </a:p>
+          <a:p>
+            <a:pPr algn="ctr">
+              <a:lnSpc>
+                <a:spcPct val="150000"/>
+              </a:lnSpc>
+            </a:pPr>
+            <a:r>
+              <a:rPr lang="pt-BR" sz="2000" dirty="0">
+                <a:solidFill>
+                  <a:schemeClr val="tx1">
+                    <a:lumMod val="85000"/>
+                    <a:lumOff val="15000"/>
+                  </a:schemeClr>
+                </a:solidFill>
+                <a:latin typeface="Arvo" panose="02000000000000000000" pitchFamily="2" charset="0"/>
+                <a:ea typeface="Adobe Gothic Std B" panose="020B0800000000000000" pitchFamily="34" charset="-128"/>
+              </a:rPr>
+              <a:t>100.000 pacotes</a:t>
+            </a:r>
+          </a:p>
+        </p:txBody>
+      </p:sp>
     </p:spTree>
     <p:extLst>
       <p:ext uri="{BB962C8B-B14F-4D97-AF65-F5344CB8AC3E}">
@@ -12360,8 +16198,8 @@
         </p:nvSpPr>
         <p:spPr>
           <a:xfrm>
-            <a:off x="9308891" y="653871"/>
-            <a:ext cx="2578308" cy="4393290"/>
+            <a:off x="1181723" y="1242479"/>
+            <a:ext cx="9828552" cy="5249334"/>
           </a:xfrm>
           <a:prstGeom prst="roundRect">
             <a:avLst>
@@ -12396,88 +16234,7 @@
           <a:lstStyle/>
           <a:p>
             <a:pPr algn="ctr"/>
-            <a:r>
-              <a:rPr lang="fr-FR" sz="2800" dirty="0">
-                <a:solidFill>
-                  <a:schemeClr val="tx1"/>
-                </a:solidFill>
-                <a:latin typeface="Courier New" panose="02070309020205020404" pitchFamily="49" charset="0"/>
-                <a:cs typeface="Courier New" panose="02070309020205020404" pitchFamily="49" charset="0"/>
-              </a:rPr>
-              <a:t>iperf3.exe </a:t>
-            </a:r>
-          </a:p>
-          <a:p>
-            <a:pPr algn="ctr"/>
-            <a:r>
-              <a:rPr lang="fr-FR" sz="2800" dirty="0">
-                <a:solidFill>
-                  <a:schemeClr val="tx1"/>
-                </a:solidFill>
-                <a:latin typeface="Courier New" panose="02070309020205020404" pitchFamily="49" charset="0"/>
-                <a:cs typeface="Courier New" panose="02070309020205020404" pitchFamily="49" charset="0"/>
-              </a:rPr>
-              <a:t>-f M </a:t>
-            </a:r>
-          </a:p>
-          <a:p>
-            <a:pPr algn="ctr"/>
-            <a:r>
-              <a:rPr lang="fr-FR" sz="2800" dirty="0">
-                <a:solidFill>
-                  <a:schemeClr val="tx1"/>
-                </a:solidFill>
-                <a:latin typeface="Courier New" panose="02070309020205020404" pitchFamily="49" charset="0"/>
-                <a:cs typeface="Courier New" panose="02070309020205020404" pitchFamily="49" charset="0"/>
-              </a:rPr>
-              <a:t>-i 0.1 </a:t>
-            </a:r>
-          </a:p>
-          <a:p>
-            <a:pPr algn="ctr"/>
-            <a:r>
-              <a:rPr lang="fr-FR" sz="2800" dirty="0">
-                <a:solidFill>
-                  <a:schemeClr val="tx1"/>
-                </a:solidFill>
-                <a:latin typeface="Courier New" panose="02070309020205020404" pitchFamily="49" charset="0"/>
-                <a:cs typeface="Courier New" panose="02070309020205020404" pitchFamily="49" charset="0"/>
-              </a:rPr>
-              <a:t>-t 30 </a:t>
-            </a:r>
-          </a:p>
-          <a:p>
-            <a:pPr algn="ctr"/>
-            <a:r>
-              <a:rPr lang="fr-FR" sz="2800" u="sng" dirty="0">
-                <a:solidFill>
-                  <a:schemeClr val="tx1"/>
-                </a:solidFill>
-                <a:latin typeface="Courier New" panose="02070309020205020404" pitchFamily="49" charset="0"/>
-                <a:cs typeface="Courier New" panose="02070309020205020404" pitchFamily="49" charset="0"/>
-              </a:rPr>
-              <a:t>-c &lt;IP&gt;</a:t>
-            </a:r>
-          </a:p>
-          <a:p>
-            <a:pPr algn="ctr"/>
-            <a:r>
-              <a:rPr lang="fr-FR" sz="2800" dirty="0">
-                <a:solidFill>
-                  <a:schemeClr val="tx1"/>
-                </a:solidFill>
-                <a:latin typeface="Courier New" panose="02070309020205020404" pitchFamily="49" charset="0"/>
-                <a:cs typeface="Courier New" panose="02070309020205020404" pitchFamily="49" charset="0"/>
-              </a:rPr>
-              <a:t>-p 9010</a:t>
-            </a:r>
-            <a:endParaRPr lang="pt-BR" sz="2800" dirty="0">
-              <a:solidFill>
-                <a:schemeClr val="tx1"/>
-              </a:solidFill>
-              <a:latin typeface="Courier New" panose="02070309020205020404" pitchFamily="49" charset="0"/>
-              <a:cs typeface="Courier New" panose="02070309020205020404" pitchFamily="49" charset="0"/>
-            </a:endParaRPr>
+            <a:endParaRPr lang="pt-BR"/>
           </a:p>
         </p:txBody>
       </p:sp>
@@ -12533,35 +16290,6 @@
           </a:p>
         </p:txBody>
       </p:sp>
-      <p:pic>
-        <p:nvPicPr>
-          <p:cNvPr id="3" name="Imagem 2">
-            <a:extLst>
-              <a:ext uri="{FF2B5EF4-FFF2-40B4-BE49-F238E27FC236}">
-                <a16:creationId xmlns:a16="http://schemas.microsoft.com/office/drawing/2014/main" id="{9DC4A2E6-95E5-4E6E-A9AD-FC15F79918BF}"/>
-              </a:ext>
-            </a:extLst>
-          </p:cNvPr>
-          <p:cNvPicPr>
-            <a:picLocks noChangeAspect="1"/>
-          </p:cNvPicPr>
-          <p:nvPr/>
-        </p:nvPicPr>
-        <p:blipFill rotWithShape="1">
-          <a:blip r:embed="rId2"/>
-          <a:srcRect l="11199" t="12896" r="23735" b="13443"/>
-          <a:stretch/>
-        </p:blipFill>
-        <p:spPr>
-          <a:xfrm>
-            <a:off x="116520" y="-49931"/>
-            <a:ext cx="8933157" cy="6907930"/>
-          </a:xfrm>
-          <a:prstGeom prst="rect">
-            <a:avLst/>
-          </a:prstGeom>
-        </p:spPr>
-      </p:pic>
       <p:sp>
         <p:nvSpPr>
           <p:cNvPr id="8" name="Retângulo 7">
@@ -12576,8 +16304,8 @@
         </p:nvSpPr>
         <p:spPr>
           <a:xfrm>
-            <a:off x="9049676" y="5425369"/>
-            <a:ext cx="3142323" cy="661019"/>
+            <a:off x="2710374" y="157455"/>
+            <a:ext cx="6771249" cy="952947"/>
           </a:xfrm>
           <a:prstGeom prst="rect">
             <a:avLst/>
@@ -12628,8 +16356,8 @@
         </p:nvSpPr>
         <p:spPr>
           <a:xfrm>
-            <a:off x="9308891" y="5425370"/>
-            <a:ext cx="2883107" cy="661019"/>
+            <a:off x="2860429" y="157455"/>
+            <a:ext cx="6471138" cy="952947"/>
           </a:xfrm>
           <a:prstGeom prst="rect">
             <a:avLst/>
@@ -12683,8 +16411,8 @@
         </p:nvSpPr>
         <p:spPr>
           <a:xfrm>
-            <a:off x="9390559" y="5494269"/>
-            <a:ext cx="2421690" cy="523220"/>
+            <a:off x="3200398" y="257932"/>
+            <a:ext cx="5791200" cy="769441"/>
           </a:xfrm>
           <a:prstGeom prst="rect">
             <a:avLst/>
@@ -12699,7 +16427,7 @@
           <a:p>
             <a:pPr algn="ctr"/>
             <a:r>
-              <a:rPr lang="pt-BR" sz="2800" dirty="0">
+              <a:rPr lang="pt-BR" sz="4400" dirty="0">
                 <a:solidFill>
                   <a:srgbClr val="D22D1C"/>
                 </a:solidFill>
@@ -12709,7 +16437,7 @@
               <a:t>UDP </a:t>
             </a:r>
             <a:r>
-              <a:rPr lang="pt-BR" dirty="0">
+              <a:rPr lang="pt-BR" sz="3200" dirty="0">
                 <a:solidFill>
                   <a:schemeClr val="bg1"/>
                 </a:solidFill>
@@ -12719,7 +16447,7 @@
               <a:t>com </a:t>
             </a:r>
             <a:r>
-              <a:rPr lang="pt-BR" dirty="0" err="1">
+              <a:rPr lang="pt-BR" sz="3200" dirty="0" err="1">
                 <a:solidFill>
                   <a:schemeClr val="bg1"/>
                 </a:solidFill>
@@ -12728,7 +16456,7 @@
               </a:rPr>
               <a:t>iperf</a:t>
             </a:r>
-            <a:endParaRPr lang="pt-BR" sz="2800" dirty="0">
+            <a:endParaRPr lang="pt-BR" sz="4400" dirty="0">
               <a:solidFill>
                 <a:schemeClr val="bg1"/>
               </a:solidFill>
@@ -12738,10 +16466,68 @@
           </a:p>
         </p:txBody>
       </p:sp>
+      <p:pic>
+        <p:nvPicPr>
+          <p:cNvPr id="3" name="Imagem 2">
+            <a:extLst>
+              <a:ext uri="{FF2B5EF4-FFF2-40B4-BE49-F238E27FC236}">
+                <a16:creationId xmlns:a16="http://schemas.microsoft.com/office/drawing/2014/main" id="{F2CE58D0-61FE-461E-972A-44EFF4E7E915}"/>
+              </a:ext>
+            </a:extLst>
+          </p:cNvPr>
+          <p:cNvPicPr>
+            <a:picLocks noChangeAspect="1"/>
+          </p:cNvPicPr>
+          <p:nvPr/>
+        </p:nvPicPr>
+        <p:blipFill rotWithShape="1">
+          <a:blip r:embed="rId2"/>
+          <a:srcRect l="19093" t="34309" r="21692" b="33552"/>
+          <a:stretch/>
+        </p:blipFill>
+        <p:spPr>
+          <a:xfrm>
+            <a:off x="1181723" y="1808566"/>
+            <a:ext cx="9648467" cy="2474190"/>
+          </a:xfrm>
+          <a:prstGeom prst="rect">
+            <a:avLst/>
+          </a:prstGeom>
+        </p:spPr>
+      </p:pic>
+      <p:pic>
+        <p:nvPicPr>
+          <p:cNvPr id="6" name="Imagem 5">
+            <a:extLst>
+              <a:ext uri="{FF2B5EF4-FFF2-40B4-BE49-F238E27FC236}">
+                <a16:creationId xmlns:a16="http://schemas.microsoft.com/office/drawing/2014/main" id="{E9D0D49A-7CAE-4485-99F1-B272975F24B6}"/>
+              </a:ext>
+            </a:extLst>
+          </p:cNvPr>
+          <p:cNvPicPr>
+            <a:picLocks noChangeAspect="1"/>
+          </p:cNvPicPr>
+          <p:nvPr/>
+        </p:nvPicPr>
+        <p:blipFill rotWithShape="1">
+          <a:blip r:embed="rId3"/>
+          <a:srcRect l="11881" t="14981" r="15892" b="65027"/>
+          <a:stretch/>
+        </p:blipFill>
+        <p:spPr>
+          <a:xfrm>
+            <a:off x="1408970" y="4414833"/>
+            <a:ext cx="9374055" cy="1558460"/>
+          </a:xfrm>
+          <a:prstGeom prst="rect">
+            <a:avLst/>
+          </a:prstGeom>
+        </p:spPr>
+      </p:pic>
     </p:spTree>
     <p:extLst>
       <p:ext uri="{BB962C8B-B14F-4D97-AF65-F5344CB8AC3E}">
-        <p14:creationId xmlns:p14="http://schemas.microsoft.com/office/powerpoint/2010/main" val="3910219988"/>
+        <p14:creationId xmlns:p14="http://schemas.microsoft.com/office/powerpoint/2010/main" val="4017898597"/>
       </p:ext>
     </p:extLst>
   </p:cSld>
